--- a/docproject/official_ahns/presentations/Hamilton_semester1.pptx
+++ b/docproject/official_ahns/presentations/Hamilton_semester1.pptx
@@ -5,7 +5,7 @@
     <p:sldMasterId id="2147483660" r:id="rId1"/>
   </p:sldMasterIdLst>
   <p:notesMasterIdLst>
-    <p:notesMasterId r:id="rId18"/>
+    <p:notesMasterId r:id="rId19"/>
   </p:notesMasterIdLst>
   <p:sldIdLst>
     <p:sldId id="380" r:id="rId2"/>
@@ -20,10 +20,11 @@
     <p:sldId id="391" r:id="rId11"/>
     <p:sldId id="392" r:id="rId12"/>
     <p:sldId id="393" r:id="rId13"/>
-    <p:sldId id="394" r:id="rId14"/>
-    <p:sldId id="395" r:id="rId15"/>
-    <p:sldId id="396" r:id="rId16"/>
-    <p:sldId id="398" r:id="rId17"/>
+    <p:sldId id="399" r:id="rId14"/>
+    <p:sldId id="394" r:id="rId15"/>
+    <p:sldId id="395" r:id="rId16"/>
+    <p:sldId id="396" r:id="rId17"/>
+    <p:sldId id="398" r:id="rId18"/>
   </p:sldIdLst>
   <p:sldSz cx="9144000" cy="6858000" type="screen4x3"/>
   <p:notesSz cx="6858000" cy="9144000"/>
@@ -1034,7 +1035,7 @@
             <a:fld id="{564FCFA0-726F-477B-BEA1-4EBA104729ED}" type="slidenum">
               <a:rPr lang="en-AU" smtClean="0"/>
               <a:pPr/>
-              <a:t>15</a:t>
+              <a:t>16</a:t>
             </a:fld>
             <a:endParaRPr lang="en-AU"/>
           </a:p>
@@ -4869,15 +4870,7 @@
                   <a:reflection blurRad="6350" stA="55000" endA="300" endPos="45500" dir="5400000" sy="-100000" algn="bl" rotWithShape="0"/>
                 </a:effectLst>
               </a:rPr>
-              <a:t>Derived </a:t>
-            </a:r>
-            <a:r>
-              <a:rPr lang="en-AU" dirty="0" smtClean="0">
-                <a:effectLst>
-                  <a:reflection blurRad="6350" stA="55000" endA="300" endPos="45500" dir="5400000" sy="-100000" algn="bl" rotWithShape="0"/>
-                </a:effectLst>
-              </a:rPr>
-              <a:t>System Requirements</a:t>
+              <a:t>Derived System Requirements</a:t>
             </a:r>
             <a:endParaRPr lang="en-AU" dirty="0"/>
           </a:p>
@@ -4921,7 +4914,7 @@
         </p:nvGraphicFramePr>
         <p:xfrm>
           <a:off x="467544" y="1628800"/>
-          <a:ext cx="8279706" cy="4935347"/>
+          <a:ext cx="8279706" cy="4968240"/>
         </p:xfrm>
         <a:graphic>
           <a:graphicData uri="http://schemas.openxmlformats.org/drawingml/2006/table">
@@ -6055,7 +6048,6 @@
               <a:rPr lang="en-AU" sz="1000" b="1" dirty="0" smtClean="0"/>
               <a:t>WP-SY-01</a:t>
             </a:r>
-            <a:endParaRPr lang="en-AU" sz="1000" b="1" dirty="0" smtClean="0"/>
           </a:p>
         </p:txBody>
       </p:sp>
@@ -6145,7 +6137,6 @@
               <a:rPr lang="en-AU" sz="1000" b="1" dirty="0" smtClean="0"/>
               <a:t>System Requirements Document</a:t>
             </a:r>
-            <a:endParaRPr lang="en-AU" sz="1000" b="1" dirty="0" smtClean="0"/>
           </a:p>
           <a:p>
             <a:pPr algn="ctr"/>
@@ -6157,7 +6148,6 @@
               <a:rPr lang="en-AU" sz="1000" b="1" dirty="0" smtClean="0"/>
               <a:t>WP-SY-02</a:t>
             </a:r>
-            <a:endParaRPr lang="en-AU" sz="1000" b="1" dirty="0" smtClean="0"/>
           </a:p>
         </p:txBody>
       </p:sp>
@@ -6201,7 +6191,6 @@
               <a:rPr lang="en-AU" sz="1000" b="1" dirty="0" smtClean="0"/>
               <a:t>Project Management Plan Document</a:t>
             </a:r>
-            <a:endParaRPr lang="en-AU" sz="1000" b="1" dirty="0" smtClean="0"/>
           </a:p>
           <a:p>
             <a:pPr algn="ctr"/>
@@ -6213,7 +6202,6 @@
               <a:rPr lang="en-AU" sz="1000" b="1" dirty="0" smtClean="0"/>
               <a:t>WP-SY-03</a:t>
             </a:r>
-            <a:endParaRPr lang="en-AU" sz="1000" b="1" dirty="0" smtClean="0"/>
           </a:p>
         </p:txBody>
       </p:sp>
@@ -6257,7 +6245,6 @@
               <a:rPr lang="en-AU" sz="1000" b="1" dirty="0" smtClean="0"/>
               <a:t>Flight Computer Trade Study</a:t>
             </a:r>
-            <a:endParaRPr lang="en-AU" sz="1000" b="1" dirty="0" smtClean="0"/>
           </a:p>
           <a:p>
             <a:pPr algn="ctr"/>
@@ -6265,7 +6252,6 @@
               <a:rPr lang="en-AU" sz="1000" b="1" dirty="0" smtClean="0"/>
               <a:t>WP-AP-01</a:t>
             </a:r>
-            <a:endParaRPr lang="en-AU" sz="1000" b="1" dirty="0" smtClean="0"/>
           </a:p>
         </p:txBody>
       </p:sp>
@@ -6309,7 +6295,6 @@
               <a:rPr lang="en-AU" sz="1000" b="1" dirty="0" smtClean="0"/>
               <a:t>Airframe Trade Study</a:t>
             </a:r>
-            <a:endParaRPr lang="en-AU" sz="1000" b="1" dirty="0" smtClean="0"/>
           </a:p>
           <a:p>
             <a:pPr algn="ctr"/>
@@ -6317,7 +6302,6 @@
               <a:rPr lang="en-AU" sz="1000" b="1" dirty="0" smtClean="0"/>
               <a:t>WP-PL-01</a:t>
             </a:r>
-            <a:endParaRPr lang="en-AU" sz="1000" b="1" dirty="0" smtClean="0"/>
           </a:p>
         </p:txBody>
       </p:sp>
@@ -6361,7 +6345,6 @@
               <a:rPr lang="en-AU" sz="1000" b="1" dirty="0" smtClean="0"/>
               <a:t>Preliminary Design Document</a:t>
             </a:r>
-            <a:endParaRPr lang="en-AU" sz="1000" b="1" dirty="0" smtClean="0"/>
           </a:p>
           <a:p>
             <a:pPr algn="ctr"/>
@@ -6373,7 +6356,6 @@
               <a:rPr lang="en-AU" sz="1000" b="1" dirty="0" smtClean="0"/>
               <a:t>WP-SY-04</a:t>
             </a:r>
-            <a:endParaRPr lang="en-AU" sz="1000" b="1" dirty="0" smtClean="0"/>
           </a:p>
         </p:txBody>
       </p:sp>
@@ -6509,7 +6491,6 @@
               <a:rPr lang="en-AU" sz="1000" b="1" dirty="0" smtClean="0"/>
               <a:t>Acquire Flight Computer</a:t>
             </a:r>
-            <a:endParaRPr lang="en-AU" sz="1000" b="1" dirty="0" smtClean="0"/>
           </a:p>
           <a:p>
             <a:pPr algn="ctr"/>
@@ -6517,7 +6498,6 @@
               <a:rPr lang="en-AU" sz="1000" b="1" dirty="0" smtClean="0"/>
               <a:t>WP-AP-02</a:t>
             </a:r>
-            <a:endParaRPr lang="en-AU" sz="1000" b="1" dirty="0" smtClean="0"/>
           </a:p>
         </p:txBody>
       </p:sp>
@@ -6561,7 +6541,6 @@
               <a:rPr lang="en-AU" sz="1000" b="1" dirty="0" smtClean="0"/>
               <a:t>Design State Estimation</a:t>
             </a:r>
-            <a:endParaRPr lang="en-AU" sz="1000" b="1" dirty="0" smtClean="0"/>
           </a:p>
           <a:p>
             <a:pPr algn="ctr"/>
@@ -6569,59 +6548,6 @@
               <a:rPr lang="en-AU" sz="1000" b="1" dirty="0" smtClean="0"/>
               <a:t>WP-SE-01</a:t>
             </a:r>
-            <a:endParaRPr lang="en-AU" sz="1000" b="1" dirty="0" smtClean="0"/>
-          </a:p>
-        </p:txBody>
-      </p:sp>
-      <p:sp>
-        <p:nvSpPr>
-          <p:cNvPr id="22" name="Rectangle 21"/>
-          <p:cNvSpPr/>
-          <p:nvPr/>
-        </p:nvSpPr>
-        <p:spPr>
-          <a:xfrm>
-            <a:off x="179512" y="1700808"/>
-            <a:ext cx="1008112" cy="576064"/>
-          </a:xfrm>
-          <a:prstGeom prst="rect">
-            <a:avLst/>
-          </a:prstGeom>
-        </p:spPr>
-        <p:style>
-          <a:lnRef idx="2">
-            <a:schemeClr val="accent2">
-              <a:shade val="50000"/>
-            </a:schemeClr>
-          </a:lnRef>
-          <a:fillRef idx="1">
-            <a:schemeClr val="accent2"/>
-          </a:fillRef>
-          <a:effectRef idx="0">
-            <a:schemeClr val="accent2"/>
-          </a:effectRef>
-          <a:fontRef idx="minor">
-            <a:schemeClr val="lt1"/>
-          </a:fontRef>
-        </p:style>
-        <p:txBody>
-          <a:bodyPr rtlCol="0" anchor="ctr"/>
-          <a:lstStyle/>
-          <a:p>
-            <a:pPr algn="ctr"/>
-            <a:r>
-              <a:rPr lang="en-AU" sz="1000" b="1" dirty="0" smtClean="0"/>
-              <a:t>Acquire Flight Computer</a:t>
-            </a:r>
-            <a:endParaRPr lang="en-AU" sz="1000" b="1" dirty="0" smtClean="0"/>
-          </a:p>
-          <a:p>
-            <a:pPr algn="ctr"/>
-            <a:r>
-              <a:rPr lang="en-AU" sz="1000" b="1" dirty="0" smtClean="0"/>
-              <a:t>WP-PL-02</a:t>
-            </a:r>
-            <a:endParaRPr lang="en-AU" sz="1000" b="1" dirty="0" smtClean="0"/>
           </a:p>
         </p:txBody>
       </p:sp>
@@ -6665,7 +6591,6 @@
               <a:rPr lang="en-AU" sz="900" b="1" dirty="0" smtClean="0"/>
               <a:t>Acquire Platform Electronics</a:t>
             </a:r>
-            <a:endParaRPr lang="en-AU" sz="900" b="1" dirty="0" smtClean="0"/>
           </a:p>
           <a:p>
             <a:pPr algn="ctr"/>
@@ -6673,7 +6598,6 @@
               <a:rPr lang="en-AU" sz="1000" b="1" dirty="0" smtClean="0"/>
               <a:t>WP-PL-03</a:t>
             </a:r>
-            <a:endParaRPr lang="en-AU" sz="1000" b="1" dirty="0" smtClean="0"/>
           </a:p>
         </p:txBody>
       </p:sp>
@@ -6717,7 +6641,6 @@
               <a:rPr lang="en-AU" sz="1000" b="1" dirty="0" smtClean="0"/>
               <a:t>Acquire Camera</a:t>
             </a:r>
-            <a:endParaRPr lang="en-AU" sz="1000" b="1" dirty="0" smtClean="0"/>
           </a:p>
           <a:p>
             <a:pPr algn="ctr"/>
@@ -6725,7 +6648,6 @@
               <a:rPr lang="en-AU" sz="1000" b="1" dirty="0" smtClean="0"/>
               <a:t>WP-LO-01</a:t>
             </a:r>
-            <a:endParaRPr lang="en-AU" sz="1000" b="1" dirty="0" smtClean="0"/>
           </a:p>
         </p:txBody>
       </p:sp>
@@ -6769,7 +6691,6 @@
               <a:rPr lang="en-AU" sz="900" b="1" dirty="0" smtClean="0"/>
               <a:t>Design Control System</a:t>
             </a:r>
-            <a:endParaRPr lang="en-AU" sz="900" b="1" dirty="0" smtClean="0"/>
           </a:p>
           <a:p>
             <a:pPr algn="ctr"/>
@@ -6777,7 +6698,6 @@
               <a:rPr lang="en-AU" sz="1000" b="1" dirty="0" smtClean="0"/>
               <a:t>WP-AP-03</a:t>
             </a:r>
-            <a:endParaRPr lang="en-AU" sz="1000" b="1" dirty="0" smtClean="0"/>
           </a:p>
         </p:txBody>
       </p:sp>
@@ -6821,7 +6741,6 @@
               <a:rPr lang="en-AU" sz="900" b="1" dirty="0" smtClean="0"/>
               <a:t>Design Computer Vision System</a:t>
             </a:r>
-            <a:endParaRPr lang="en-AU" sz="900" b="1" dirty="0" smtClean="0"/>
           </a:p>
           <a:p>
             <a:pPr algn="ctr"/>
@@ -6829,7 +6748,6 @@
               <a:rPr lang="en-AU" sz="1000" b="1" dirty="0" smtClean="0"/>
               <a:t>WP-LO-03</a:t>
             </a:r>
-            <a:endParaRPr lang="en-AU" sz="1000" b="1" dirty="0" smtClean="0"/>
           </a:p>
         </p:txBody>
       </p:sp>
@@ -6873,7 +6791,6 @@
               <a:rPr lang="en-AU" sz="900" b="1" dirty="0" smtClean="0"/>
               <a:t>Design Ground Control Station</a:t>
             </a:r>
-            <a:endParaRPr lang="en-AU" sz="900" b="1" dirty="0" smtClean="0"/>
           </a:p>
           <a:p>
             <a:pPr algn="ctr"/>
@@ -6881,7 +6798,6 @@
               <a:rPr lang="en-AU" sz="1000" b="1" dirty="0" smtClean="0"/>
               <a:t>WP-CG-01</a:t>
             </a:r>
-            <a:endParaRPr lang="en-AU" sz="1000" b="1" dirty="0" smtClean="0"/>
           </a:p>
         </p:txBody>
       </p:sp>
@@ -6925,7 +6841,6 @@
               <a:rPr lang="en-AU" sz="900" b="1" dirty="0" smtClean="0"/>
               <a:t>Design Wireless Communications</a:t>
             </a:r>
-            <a:endParaRPr lang="en-AU" sz="900" b="1" dirty="0" smtClean="0"/>
           </a:p>
           <a:p>
             <a:pPr algn="ctr"/>
@@ -6933,7 +6848,6 @@
               <a:rPr lang="en-AU" sz="1000" b="1" dirty="0" smtClean="0"/>
               <a:t>WP-AP-03</a:t>
             </a:r>
-            <a:endParaRPr lang="en-AU" sz="1000" b="1" dirty="0" smtClean="0"/>
           </a:p>
         </p:txBody>
       </p:sp>
@@ -6977,7 +6891,6 @@
               <a:rPr lang="en-AU" sz="900" b="1" dirty="0" smtClean="0"/>
               <a:t>Electronic Test Report</a:t>
             </a:r>
-            <a:endParaRPr lang="en-AU" sz="900" b="1" dirty="0" smtClean="0"/>
           </a:p>
           <a:p>
             <a:pPr algn="ctr"/>
@@ -6985,7 +6898,6 @@
               <a:rPr lang="en-AU" sz="1000" b="1" dirty="0" smtClean="0"/>
               <a:t>WP-PL-05</a:t>
             </a:r>
-            <a:endParaRPr lang="en-AU" sz="1000" b="1" dirty="0" smtClean="0"/>
           </a:p>
         </p:txBody>
       </p:sp>
@@ -7029,7 +6941,6 @@
               <a:rPr lang="en-AU" sz="900" b="1" dirty="0" smtClean="0"/>
               <a:t>Camera Bench Test Report</a:t>
             </a:r>
-            <a:endParaRPr lang="en-AU" sz="900" b="1" dirty="0" smtClean="0"/>
           </a:p>
           <a:p>
             <a:pPr algn="ctr"/>
@@ -7037,7 +6948,6 @@
               <a:rPr lang="en-AU" sz="1000" b="1" dirty="0" smtClean="0"/>
               <a:t>WP-LO-02</a:t>
             </a:r>
-            <a:endParaRPr lang="en-AU" sz="1000" b="1" dirty="0" smtClean="0"/>
           </a:p>
         </p:txBody>
       </p:sp>
@@ -7081,7 +6991,6 @@
               <a:rPr lang="en-AU" sz="900" b="1" dirty="0" smtClean="0"/>
               <a:t>Airframe RC Test Report</a:t>
             </a:r>
-            <a:endParaRPr lang="en-AU" sz="900" b="1" dirty="0" smtClean="0"/>
           </a:p>
           <a:p>
             <a:pPr algn="ctr"/>
@@ -7089,7 +6998,6 @@
               <a:rPr lang="en-AU" sz="1000" b="1" dirty="0" smtClean="0"/>
               <a:t>WP-PL-04</a:t>
             </a:r>
-            <a:endParaRPr lang="en-AU" sz="1000" b="1" dirty="0" smtClean="0"/>
           </a:p>
         </p:txBody>
       </p:sp>
@@ -7133,7 +7041,6 @@
               <a:rPr lang="en-AU" sz="900" b="1" dirty="0" smtClean="0"/>
               <a:t>Wireless Communications Test Report</a:t>
             </a:r>
-            <a:endParaRPr lang="en-AU" sz="900" b="1" dirty="0" smtClean="0"/>
           </a:p>
           <a:p>
             <a:pPr algn="ctr"/>
@@ -7141,7 +7048,6 @@
               <a:rPr lang="en-AU" sz="1000" b="1" dirty="0" smtClean="0"/>
               <a:t>WP-CO-02</a:t>
             </a:r>
-            <a:endParaRPr lang="en-AU" sz="1000" b="1" dirty="0" smtClean="0"/>
           </a:p>
         </p:txBody>
       </p:sp>
@@ -7191,19 +7097,7 @@
                   </a:outerShdw>
                 </a:effectLst>
               </a:rPr>
-              <a:t> </a:t>
-            </a:r>
-            <a:r>
-              <a:rPr lang="en-AU" b="1" dirty="0" smtClean="0">
-                <a:effectLst>
-                  <a:outerShdw blurRad="38100" dist="38100" dir="2700000" algn="tl">
-                    <a:srgbClr val="000000">
-                      <a:alpha val="43137"/>
-                    </a:srgbClr>
-                  </a:outerShdw>
-                </a:effectLst>
-              </a:rPr>
-              <a:t>              Testing</a:t>
+              <a:t>               Testing</a:t>
             </a:r>
             <a:endParaRPr lang="en-AU" b="1" dirty="0">
               <a:effectLst>
@@ -7260,6 +7154,57 @@
                 </a:outerShdw>
               </a:effectLst>
             </a:endParaRPr>
+          </a:p>
+        </p:txBody>
+      </p:sp>
+      <p:sp>
+        <p:nvSpPr>
+          <p:cNvPr id="37" name="Rectangle 36"/>
+          <p:cNvSpPr/>
+          <p:nvPr/>
+        </p:nvSpPr>
+        <p:spPr>
+          <a:xfrm>
+            <a:off x="107504" y="1700808"/>
+            <a:ext cx="1080120" cy="576064"/>
+          </a:xfrm>
+          <a:prstGeom prst="rect">
+            <a:avLst/>
+          </a:prstGeom>
+        </p:spPr>
+        <p:style>
+          <a:lnRef idx="2">
+            <a:schemeClr val="accent2">
+              <a:shade val="50000"/>
+            </a:schemeClr>
+          </a:lnRef>
+          <a:fillRef idx="1">
+            <a:schemeClr val="accent2"/>
+          </a:fillRef>
+          <a:effectRef idx="0">
+            <a:schemeClr val="accent2"/>
+          </a:effectRef>
+          <a:fontRef idx="minor">
+            <a:schemeClr val="lt1"/>
+          </a:fontRef>
+        </p:style>
+        <p:txBody>
+          <a:bodyPr rtlCol="0" anchor="ctr"/>
+          <a:lstStyle/>
+          <a:p>
+            <a:pPr algn="ctr"/>
+            <a:r>
+              <a:rPr lang="en-AU" sz="1000" b="1" dirty="0" smtClean="0"/>
+              <a:t>Acquire &amp; Construct Airframe</a:t>
+            </a:r>
+          </a:p>
+          <a:p>
+            <a:pPr algn="ctr"/>
+            <a:r>
+              <a:rPr lang="en-AU" sz="1000" b="1" dirty="0" smtClean="0"/>
+              <a:t>WP-PL-02</a:t>
+            </a:r>
+            <a:endParaRPr lang="en-AU" sz="1000" b="1" dirty="0"/>
           </a:p>
         </p:txBody>
       </p:sp>
@@ -7280,9 +7225,6 @@
                     <p:cTn id="3" fill="hold">
                       <p:stCondLst>
                         <p:cond delay="indefinite"/>
-                        <p:cond evt="onBegin" delay="0">
-                          <p:tn val="2"/>
-                        </p:cond>
                       </p:stCondLst>
                       <p:childTnLst>
                         <p:par>
@@ -7292,67 +7234,14 @@
                             </p:stCondLst>
                             <p:childTnLst>
                               <p:par>
-                                <p:cTn id="5" presetID="10" presetClass="entr" presetSubtype="0" fill="hold" nodeType="withEffect">
-                                  <p:stCondLst>
-                                    <p:cond delay="0"/>
-                                  </p:stCondLst>
-                                  <p:childTnLst>
-                                    <p:set>
-                                      <p:cBhvr>
-                                        <p:cTn id="6" dur="1" fill="hold">
-                                          <p:stCondLst>
-                                            <p:cond delay="0"/>
-                                          </p:stCondLst>
-                                        </p:cTn>
-                                        <p:tgtEl>
-                                          <p:spTgt spid="30721"/>
-                                        </p:tgtEl>
-                                        <p:attrNameLst>
-                                          <p:attrName>style.visibility</p:attrName>
-                                        </p:attrNameLst>
-                                      </p:cBhvr>
-                                      <p:to>
-                                        <p:strVal val="visible"/>
-                                      </p:to>
-                                    </p:set>
-                                    <p:animEffect transition="in" filter="fade">
-                                      <p:cBhvr>
-                                        <p:cTn id="7" dur="2000"/>
-                                        <p:tgtEl>
-                                          <p:spTgt spid="30721"/>
-                                        </p:tgtEl>
-                                      </p:cBhvr>
-                                    </p:animEffect>
-                                  </p:childTnLst>
-                                </p:cTn>
-                              </p:par>
-                            </p:childTnLst>
-                          </p:cTn>
-                        </p:par>
-                      </p:childTnLst>
-                    </p:cTn>
-                  </p:par>
-                  <p:par>
-                    <p:cTn id="8" fill="hold">
-                      <p:stCondLst>
-                        <p:cond delay="indefinite"/>
-                      </p:stCondLst>
-                      <p:childTnLst>
-                        <p:par>
-                          <p:cTn id="9" fill="hold">
-                            <p:stCondLst>
-                              <p:cond delay="0"/>
-                            </p:stCondLst>
-                            <p:childTnLst>
-                              <p:par>
-                                <p:cTn id="10" presetID="2" presetClass="exit" presetSubtype="4" fill="hold" nodeType="clickEffect">
+                                <p:cTn id="5" presetID="2" presetClass="exit" presetSubtype="4" fill="hold" nodeType="clickEffect">
                                   <p:stCondLst>
                                     <p:cond delay="0"/>
                                   </p:stCondLst>
                                   <p:childTnLst>
                                     <p:anim calcmode="lin" valueType="num">
                                       <p:cBhvr additive="base">
-                                        <p:cTn id="11" dur="500"/>
+                                        <p:cTn id="6" dur="500"/>
                                         <p:tgtEl>
                                           <p:spTgt spid="30721"/>
                                         </p:tgtEl>
@@ -7375,7 +7264,7 @@
                                     </p:anim>
                                     <p:anim calcmode="lin" valueType="num">
                                       <p:cBhvr additive="base">
-                                        <p:cTn id="12" dur="500"/>
+                                        <p:cTn id="7" dur="500"/>
                                         <p:tgtEl>
                                           <p:spTgt spid="30721"/>
                                         </p:tgtEl>
@@ -7398,7 +7287,7 @@
                                     </p:anim>
                                     <p:set>
                                       <p:cBhvr>
-                                        <p:cTn id="13" dur="1" fill="hold">
+                                        <p:cTn id="8" dur="1" fill="hold">
                                           <p:stCondLst>
                                             <p:cond delay="499"/>
                                           </p:stCondLst>
@@ -7418,14 +7307,14 @@
                                 </p:cTn>
                               </p:par>
                               <p:par>
-                                <p:cTn id="14" presetID="1" presetClass="entr" presetSubtype="0" fill="hold" grpId="0" nodeType="withEffect">
+                                <p:cTn id="9" presetID="1" presetClass="entr" presetSubtype="0" fill="hold" grpId="0" nodeType="withEffect">
                                   <p:stCondLst>
                                     <p:cond delay="0"/>
                                   </p:stCondLst>
                                   <p:childTnLst>
                                     <p:set>
                                       <p:cBhvr>
-                                        <p:cTn id="15" dur="1" fill="hold">
+                                        <p:cTn id="10" dur="1" fill="hold">
                                           <p:stCondLst>
                                             <p:cond delay="0"/>
                                           </p:stCondLst>
@@ -7445,14 +7334,14 @@
                                 </p:cTn>
                               </p:par>
                               <p:par>
-                                <p:cTn id="16" presetID="1" presetClass="exit" presetSubtype="0" fill="hold" grpId="0" nodeType="withEffect">
+                                <p:cTn id="11" presetID="1" presetClass="exit" presetSubtype="0" fill="hold" grpId="0" nodeType="withEffect">
                                   <p:stCondLst>
                                     <p:cond delay="0"/>
                                   </p:stCondLst>
                                   <p:childTnLst>
                                     <p:set>
                                       <p:cBhvr>
-                                        <p:cTn id="17" dur="1" fill="hold">
+                                        <p:cTn id="12" dur="1" fill="hold">
                                           <p:stCondLst>
                                             <p:cond delay="0"/>
                                           </p:stCondLst>
@@ -7475,20 +7364,20 @@
                           </p:cTn>
                         </p:par>
                         <p:par>
-                          <p:cTn id="18" fill="hold">
+                          <p:cTn id="13" fill="hold">
                             <p:stCondLst>
                               <p:cond delay="500"/>
                             </p:stCondLst>
                             <p:childTnLst>
                               <p:par>
-                                <p:cTn id="19" presetID="2" presetClass="entr" presetSubtype="4" fill="hold" nodeType="afterEffect">
+                                <p:cTn id="14" presetID="2" presetClass="entr" presetSubtype="4" fill="hold" nodeType="afterEffect">
                                   <p:stCondLst>
                                     <p:cond delay="1000"/>
                                   </p:stCondLst>
                                   <p:childTnLst>
                                     <p:set>
                                       <p:cBhvr>
-                                        <p:cTn id="20" dur="1" fill="hold">
+                                        <p:cTn id="15" dur="1" fill="hold">
                                           <p:stCondLst>
                                             <p:cond delay="0"/>
                                           </p:stCondLst>
@@ -7506,7 +7395,7 @@
                                     </p:set>
                                     <p:anim calcmode="lin" valueType="num">
                                       <p:cBhvr additive="base">
-                                        <p:cTn id="21" dur="2000" fill="hold"/>
+                                        <p:cTn id="16" dur="2000" fill="hold"/>
                                         <p:tgtEl>
                                           <p:spTgt spid="30723"/>
                                         </p:tgtEl>
@@ -7529,7 +7418,7 @@
                                     </p:anim>
                                     <p:anim calcmode="lin" valueType="num">
                                       <p:cBhvr additive="base">
-                                        <p:cTn id="22" dur="2000" fill="hold"/>
+                                        <p:cTn id="17" dur="2000" fill="hold"/>
                                         <p:tgtEl>
                                           <p:spTgt spid="30723"/>
                                         </p:tgtEl>
@@ -7557,20 +7446,20 @@
                           </p:cTn>
                         </p:par>
                         <p:par>
-                          <p:cTn id="23" fill="hold">
+                          <p:cTn id="18" fill="hold">
                             <p:stCondLst>
                               <p:cond delay="3500"/>
                             </p:stCondLst>
                             <p:childTnLst>
                               <p:par>
-                                <p:cTn id="24" presetID="10" presetClass="entr" presetSubtype="0" fill="hold" grpId="0" nodeType="afterEffect">
+                                <p:cTn id="19" presetID="10" presetClass="entr" presetSubtype="0" fill="hold" grpId="0" nodeType="afterEffect">
                                   <p:stCondLst>
                                     <p:cond delay="500"/>
                                   </p:stCondLst>
                                   <p:childTnLst>
                                     <p:set>
                                       <p:cBhvr>
-                                        <p:cTn id="25" dur="1" fill="hold">
+                                        <p:cTn id="20" dur="1" fill="hold">
                                           <p:stCondLst>
                                             <p:cond delay="0"/>
                                           </p:stCondLst>
@@ -7588,7 +7477,7 @@
                                     </p:set>
                                     <p:animEffect transition="in" filter="fade">
                                       <p:cBhvr>
-                                        <p:cTn id="26" dur="500"/>
+                                        <p:cTn id="21" dur="500"/>
                                         <p:tgtEl>
                                           <p:spTgt spid="9"/>
                                         </p:tgtEl>
@@ -7604,26 +7493,26 @@
                     </p:cTn>
                   </p:par>
                   <p:par>
-                    <p:cTn id="27" fill="hold">
+                    <p:cTn id="22" fill="hold">
                       <p:stCondLst>
                         <p:cond delay="indefinite"/>
                       </p:stCondLst>
                       <p:childTnLst>
                         <p:par>
-                          <p:cTn id="28" fill="hold">
+                          <p:cTn id="23" fill="hold">
                             <p:stCondLst>
                               <p:cond delay="0"/>
                             </p:stCondLst>
                             <p:childTnLst>
                               <p:par>
-                                <p:cTn id="29" presetID="1" presetClass="entr" presetSubtype="0" fill="hold" grpId="0" nodeType="clickEffect">
+                                <p:cTn id="24" presetID="1" presetClass="entr" presetSubtype="0" fill="hold" grpId="0" nodeType="clickEffect">
                                   <p:stCondLst>
                                     <p:cond delay="0"/>
                                   </p:stCondLst>
                                   <p:childTnLst>
                                     <p:set>
                                       <p:cBhvr>
-                                        <p:cTn id="30" dur="1" fill="hold">
+                                        <p:cTn id="25" dur="1" fill="hold">
                                           <p:stCondLst>
                                             <p:cond delay="0"/>
                                           </p:stCondLst>
@@ -7646,20 +7535,20 @@
                           </p:cTn>
                         </p:par>
                         <p:par>
-                          <p:cTn id="31" fill="hold">
+                          <p:cTn id="26" fill="hold">
                             <p:stCondLst>
                               <p:cond delay="0"/>
                             </p:stCondLst>
                             <p:childTnLst>
                               <p:par>
-                                <p:cTn id="32" presetID="1" presetClass="entr" presetSubtype="0" fill="hold" grpId="0" nodeType="afterEffect">
+                                <p:cTn id="27" presetID="1" presetClass="entr" presetSubtype="0" fill="hold" grpId="0" nodeType="afterEffect">
                                   <p:stCondLst>
                                     <p:cond delay="500"/>
                                   </p:stCondLst>
                                   <p:childTnLst>
                                     <p:set>
                                       <p:cBhvr>
-                                        <p:cTn id="33" dur="1" fill="hold">
+                                        <p:cTn id="28" dur="1" fill="hold">
                                           <p:stCondLst>
                                             <p:cond delay="0"/>
                                           </p:stCondLst>
@@ -7682,20 +7571,20 @@
                           </p:cTn>
                         </p:par>
                         <p:par>
-                          <p:cTn id="34" fill="hold">
+                          <p:cTn id="29" fill="hold">
                             <p:stCondLst>
                               <p:cond delay="500"/>
                             </p:stCondLst>
                             <p:childTnLst>
                               <p:par>
-                                <p:cTn id="35" presetID="1" presetClass="entr" presetSubtype="0" fill="hold" grpId="0" nodeType="afterEffect">
+                                <p:cTn id="30" presetID="1" presetClass="entr" presetSubtype="0" fill="hold" grpId="0" nodeType="afterEffect">
                                   <p:stCondLst>
                                     <p:cond delay="500"/>
                                   </p:stCondLst>
                                   <p:childTnLst>
                                     <p:set>
                                       <p:cBhvr>
-                                        <p:cTn id="36" dur="1" fill="hold">
+                                        <p:cTn id="31" dur="1" fill="hold">
                                           <p:stCondLst>
                                             <p:cond delay="0"/>
                                           </p:stCondLst>
@@ -7718,20 +7607,20 @@
                           </p:cTn>
                         </p:par>
                         <p:par>
-                          <p:cTn id="37" fill="hold">
+                          <p:cTn id="32" fill="hold">
                             <p:stCondLst>
                               <p:cond delay="1000"/>
                             </p:stCondLst>
                             <p:childTnLst>
                               <p:par>
-                                <p:cTn id="38" presetID="1" presetClass="entr" presetSubtype="0" fill="hold" grpId="0" nodeType="afterEffect">
+                                <p:cTn id="33" presetID="1" presetClass="entr" presetSubtype="0" fill="hold" grpId="0" nodeType="afterEffect">
                                   <p:stCondLst>
                                     <p:cond delay="2000"/>
                                   </p:stCondLst>
                                   <p:childTnLst>
                                     <p:set>
                                       <p:cBhvr>
-                                        <p:cTn id="39" dur="1" fill="hold">
+                                        <p:cTn id="34" dur="1" fill="hold">
                                           <p:stCondLst>
                                             <p:cond delay="0"/>
                                           </p:stCondLst>
@@ -7754,20 +7643,20 @@
                           </p:cTn>
                         </p:par>
                         <p:par>
-                          <p:cTn id="40" fill="hold">
+                          <p:cTn id="35" fill="hold">
                             <p:stCondLst>
                               <p:cond delay="3000"/>
                             </p:stCondLst>
                             <p:childTnLst>
                               <p:par>
-                                <p:cTn id="41" presetID="1" presetClass="entr" presetSubtype="0" fill="hold" grpId="0" nodeType="afterEffect">
+                                <p:cTn id="36" presetID="1" presetClass="entr" presetSubtype="0" fill="hold" grpId="0" nodeType="afterEffect">
                                   <p:stCondLst>
                                     <p:cond delay="500"/>
                                   </p:stCondLst>
                                   <p:childTnLst>
                                     <p:set>
                                       <p:cBhvr>
-                                        <p:cTn id="42" dur="1" fill="hold">
+                                        <p:cTn id="37" dur="1" fill="hold">
                                           <p:stCondLst>
                                             <p:cond delay="0"/>
                                           </p:stCondLst>
@@ -7790,20 +7679,20 @@
                           </p:cTn>
                         </p:par>
                         <p:par>
-                          <p:cTn id="43" fill="hold">
+                          <p:cTn id="38" fill="hold">
                             <p:stCondLst>
                               <p:cond delay="3500"/>
                             </p:stCondLst>
                             <p:childTnLst>
                               <p:par>
-                                <p:cTn id="44" presetID="1" presetClass="entr" presetSubtype="0" fill="hold" grpId="0" nodeType="afterEffect">
+                                <p:cTn id="39" presetID="1" presetClass="entr" presetSubtype="0" fill="hold" grpId="0" nodeType="afterEffect">
                                   <p:stCondLst>
                                     <p:cond delay="2000"/>
                                   </p:stCondLst>
                                   <p:childTnLst>
                                     <p:set>
                                       <p:cBhvr>
-                                        <p:cTn id="45" dur="1" fill="hold">
+                                        <p:cTn id="40" dur="1" fill="hold">
                                           <p:stCondLst>
                                             <p:cond delay="0"/>
                                           </p:stCondLst>
@@ -7829,26 +7718,26 @@
                     </p:cTn>
                   </p:par>
                   <p:par>
-                    <p:cTn id="46" fill="hold">
+                    <p:cTn id="41" fill="hold">
                       <p:stCondLst>
                         <p:cond delay="indefinite"/>
                       </p:stCondLst>
                       <p:childTnLst>
                         <p:par>
-                          <p:cTn id="47" fill="hold">
+                          <p:cTn id="42" fill="hold">
                             <p:stCondLst>
                               <p:cond delay="0"/>
                             </p:stCondLst>
                             <p:childTnLst>
                               <p:par>
-                                <p:cTn id="48" presetID="1" presetClass="exit" presetSubtype="0" fill="hold" grpId="1" nodeType="clickEffect">
+                                <p:cTn id="43" presetID="1" presetClass="exit" presetSubtype="0" fill="hold" grpId="1" nodeType="clickEffect">
                                   <p:stCondLst>
                                     <p:cond delay="0"/>
                                   </p:stCondLst>
                                   <p:childTnLst>
                                     <p:set>
                                       <p:cBhvr>
-                                        <p:cTn id="49" dur="1" fill="hold">
+                                        <p:cTn id="44" dur="1" fill="hold">
                                           <p:stCondLst>
                                             <p:cond delay="0"/>
                                           </p:stCondLst>
@@ -7868,14 +7757,14 @@
                                 </p:cTn>
                               </p:par>
                               <p:par>
-                                <p:cTn id="50" presetID="42" presetClass="path" presetSubtype="0" accel="50000" decel="50000" fill="hold" grpId="1" nodeType="withEffect">
+                                <p:cTn id="45" presetID="42" presetClass="path" presetSubtype="0" accel="50000" decel="50000" fill="hold" grpId="1" nodeType="withEffect">
                                   <p:stCondLst>
                                     <p:cond delay="0"/>
                                   </p:stCondLst>
                                   <p:childTnLst>
                                     <p:animMotion origin="layout" path="M 0 0  L 0 0.33333  E" pathEditMode="relative" ptsTypes="">
                                       <p:cBhvr>
-                                        <p:cTn id="51" dur="2000" fill="hold"/>
+                                        <p:cTn id="46" dur="2000" fill="hold"/>
                                         <p:tgtEl>
                                           <p:spTgt spid="10"/>
                                         </p:tgtEl>
@@ -7889,14 +7778,14 @@
                                 </p:cTn>
                               </p:par>
                               <p:par>
-                                <p:cTn id="52" presetID="42" presetClass="path" presetSubtype="0" accel="50000" decel="50000" fill="hold" grpId="1" nodeType="withEffect">
+                                <p:cTn id="47" presetID="42" presetClass="path" presetSubtype="0" accel="50000" decel="50000" fill="hold" grpId="1" nodeType="withEffect">
                                   <p:stCondLst>
                                     <p:cond delay="0"/>
                                   </p:stCondLst>
                                   <p:childTnLst>
                                     <p:animMotion origin="layout" path="M 0 0  L 0 0.33333  E" pathEditMode="relative" ptsTypes="">
                                       <p:cBhvr>
-                                        <p:cTn id="53" dur="2000" fill="hold"/>
+                                        <p:cTn id="48" dur="2000" fill="hold"/>
                                         <p:tgtEl>
                                           <p:spTgt spid="12"/>
                                         </p:tgtEl>
@@ -7910,14 +7799,14 @@
                                 </p:cTn>
                               </p:par>
                               <p:par>
-                                <p:cTn id="54" presetID="42" presetClass="path" presetSubtype="0" accel="50000" decel="50000" fill="hold" grpId="1" nodeType="withEffect">
+                                <p:cTn id="49" presetID="42" presetClass="path" presetSubtype="0" accel="50000" decel="50000" fill="hold" grpId="1" nodeType="withEffect">
                                   <p:stCondLst>
                                     <p:cond delay="0"/>
                                   </p:stCondLst>
                                   <p:childTnLst>
                                     <p:animMotion origin="layout" path="M 0 0  L 0 0.33333  E" pathEditMode="relative" ptsTypes="">
                                       <p:cBhvr>
-                                        <p:cTn id="55" dur="2000" fill="hold"/>
+                                        <p:cTn id="50" dur="2000" fill="hold"/>
                                         <p:tgtEl>
                                           <p:spTgt spid="11"/>
                                         </p:tgtEl>
@@ -7931,14 +7820,14 @@
                                 </p:cTn>
                               </p:par>
                               <p:par>
-                                <p:cTn id="56" presetID="42" presetClass="path" presetSubtype="0" accel="50000" decel="50000" fill="hold" grpId="1" nodeType="withEffect">
+                                <p:cTn id="51" presetID="42" presetClass="path" presetSubtype="0" accel="50000" decel="50000" fill="hold" grpId="1" nodeType="withEffect">
                                   <p:stCondLst>
                                     <p:cond delay="0"/>
                                   </p:stCondLst>
                                   <p:childTnLst>
                                     <p:animMotion origin="layout" path="M 0 0  L 0 0.33333  E" pathEditMode="relative" ptsTypes="">
                                       <p:cBhvr>
-                                        <p:cTn id="57" dur="2000" fill="hold"/>
+                                        <p:cTn id="52" dur="2000" fill="hold"/>
                                         <p:tgtEl>
                                           <p:spTgt spid="13"/>
                                         </p:tgtEl>
@@ -7952,14 +7841,14 @@
                                 </p:cTn>
                               </p:par>
                               <p:par>
-                                <p:cTn id="58" presetID="42" presetClass="path" presetSubtype="0" accel="50000" decel="50000" fill="hold" grpId="1" nodeType="withEffect">
+                                <p:cTn id="53" presetID="42" presetClass="path" presetSubtype="0" accel="50000" decel="50000" fill="hold" grpId="1" nodeType="withEffect">
                                   <p:stCondLst>
                                     <p:cond delay="0"/>
                                   </p:stCondLst>
                                   <p:childTnLst>
                                     <p:animMotion origin="layout" path="M 0 0  L 0 0.33333  E" pathEditMode="relative" ptsTypes="">
                                       <p:cBhvr>
-                                        <p:cTn id="59" dur="2000" fill="hold"/>
+                                        <p:cTn id="54" dur="2000" fill="hold"/>
                                         <p:tgtEl>
                                           <p:spTgt spid="14"/>
                                         </p:tgtEl>
@@ -7973,14 +7862,14 @@
                                 </p:cTn>
                               </p:par>
                               <p:par>
-                                <p:cTn id="60" presetID="42" presetClass="path" presetSubtype="0" accel="50000" decel="50000" fill="hold" grpId="1" nodeType="withEffect">
+                                <p:cTn id="55" presetID="42" presetClass="path" presetSubtype="0" accel="50000" decel="50000" fill="hold" grpId="1" nodeType="withEffect">
                                   <p:stCondLst>
                                     <p:cond delay="0"/>
                                   </p:stCondLst>
                                   <p:childTnLst>
                                     <p:animMotion origin="layout" path="M 0 0  L 0 0.33333  E" pathEditMode="relative" ptsTypes="">
                                       <p:cBhvr>
-                                        <p:cTn id="61" dur="2000" fill="hold"/>
+                                        <p:cTn id="56" dur="2000" fill="hold"/>
                                         <p:tgtEl>
                                           <p:spTgt spid="15"/>
                                         </p:tgtEl>
@@ -7994,14 +7883,14 @@
                                 </p:cTn>
                               </p:par>
                               <p:par>
-                                <p:cTn id="62" presetID="42" presetClass="path" presetSubtype="0" accel="50000" decel="50000" fill="hold" nodeType="withEffect">
+                                <p:cTn id="57" presetID="42" presetClass="path" presetSubtype="0" accel="50000" decel="50000" fill="hold" nodeType="withEffect">
                                   <p:stCondLst>
                                     <p:cond delay="0"/>
                                   </p:stCondLst>
                                   <p:childTnLst>
                                     <p:animMotion origin="layout" path="M 0 0  L 0 0.33333  E" pathEditMode="relative" ptsTypes="">
                                       <p:cBhvr>
-                                        <p:cTn id="63" dur="2000" fill="hold"/>
+                                        <p:cTn id="58" dur="2000" fill="hold"/>
                                         <p:tgtEl>
                                           <p:spTgt spid="30723"/>
                                         </p:tgtEl>
@@ -8018,20 +7907,20 @@
                           </p:cTn>
                         </p:par>
                         <p:par>
-                          <p:cTn id="64" fill="hold">
+                          <p:cTn id="59" fill="hold">
                             <p:stCondLst>
                               <p:cond delay="2000"/>
                             </p:stCondLst>
                             <p:childTnLst>
                               <p:par>
-                                <p:cTn id="65" presetID="10" presetClass="entr" presetSubtype="0" fill="hold" grpId="0" nodeType="afterEffect">
+                                <p:cTn id="60" presetID="10" presetClass="entr" presetSubtype="0" fill="hold" grpId="0" nodeType="afterEffect">
                                   <p:stCondLst>
                                     <p:cond delay="0"/>
                                   </p:stCondLst>
                                   <p:childTnLst>
                                     <p:set>
                                       <p:cBhvr>
-                                        <p:cTn id="66" dur="1" fill="hold">
+                                        <p:cTn id="61" dur="1" fill="hold">
                                           <p:stCondLst>
                                             <p:cond delay="0"/>
                                           </p:stCondLst>
@@ -8049,7 +7938,7 @@
                                     </p:set>
                                     <p:animEffect transition="in" filter="fade">
                                       <p:cBhvr>
-                                        <p:cTn id="67" dur="500"/>
+                                        <p:cTn id="62" dur="500"/>
                                         <p:tgtEl>
                                           <p:spTgt spid="16"/>
                                         </p:tgtEl>
@@ -8065,32 +7954,32 @@
                     </p:cTn>
                   </p:par>
                   <p:par>
-                    <p:cTn id="68" fill="hold">
+                    <p:cTn id="63" fill="hold">
                       <p:stCondLst>
                         <p:cond delay="indefinite"/>
                       </p:stCondLst>
                       <p:childTnLst>
                         <p:par>
-                          <p:cTn id="69" fill="hold">
+                          <p:cTn id="64" fill="hold">
                             <p:stCondLst>
                               <p:cond delay="0"/>
                             </p:stCondLst>
                             <p:childTnLst>
                               <p:par>
-                                <p:cTn id="70" presetID="1" presetClass="entr" presetSubtype="0" fill="hold" grpId="0" nodeType="clickEffect">
+                                <p:cTn id="65" presetID="1" presetClass="entr" presetSubtype="0" fill="hold" grpId="2" nodeType="clickEffect">
                                   <p:stCondLst>
                                     <p:cond delay="0"/>
                                   </p:stCondLst>
                                   <p:childTnLst>
                                     <p:set>
                                       <p:cBhvr>
-                                        <p:cTn id="71" dur="1" fill="hold">
+                                        <p:cTn id="66" dur="1" fill="hold">
                                           <p:stCondLst>
                                             <p:cond delay="0"/>
                                           </p:stCondLst>
                                         </p:cTn>
                                         <p:tgtEl>
-                                          <p:spTgt spid="22"/>
+                                          <p:spTgt spid="37"/>
                                         </p:tgtEl>
                                         <p:attrNameLst>
                                           <p:attrName>style.visibility</p:attrName>
@@ -8107,20 +7996,20 @@
                           </p:cTn>
                         </p:par>
                         <p:par>
-                          <p:cTn id="72" fill="hold">
+                          <p:cTn id="67" fill="hold">
                             <p:stCondLst>
                               <p:cond delay="0"/>
                             </p:stCondLst>
                             <p:childTnLst>
                               <p:par>
-                                <p:cTn id="73" presetID="1" presetClass="entr" presetSubtype="0" fill="hold" grpId="0" nodeType="afterEffect">
+                                <p:cTn id="68" presetID="1" presetClass="entr" presetSubtype="0" fill="hold" grpId="0" nodeType="afterEffect">
                                   <p:stCondLst>
                                     <p:cond delay="500"/>
                                   </p:stCondLst>
                                   <p:childTnLst>
                                     <p:set>
                                       <p:cBhvr>
-                                        <p:cTn id="74" dur="1" fill="hold">
+                                        <p:cTn id="69" dur="1" fill="hold">
                                           <p:stCondLst>
                                             <p:cond delay="0"/>
                                           </p:stCondLst>
@@ -8143,20 +8032,20 @@
                           </p:cTn>
                         </p:par>
                         <p:par>
-                          <p:cTn id="75" fill="hold">
+                          <p:cTn id="70" fill="hold">
                             <p:stCondLst>
                               <p:cond delay="500"/>
                             </p:stCondLst>
                             <p:childTnLst>
                               <p:par>
-                                <p:cTn id="76" presetID="1" presetClass="entr" presetSubtype="0" fill="hold" grpId="0" nodeType="afterEffect">
+                                <p:cTn id="71" presetID="1" presetClass="entr" presetSubtype="0" fill="hold" grpId="0" nodeType="afterEffect">
                                   <p:stCondLst>
                                     <p:cond delay="500"/>
                                   </p:stCondLst>
                                   <p:childTnLst>
                                     <p:set>
                                       <p:cBhvr>
-                                        <p:cTn id="77" dur="1" fill="hold">
+                                        <p:cTn id="72" dur="1" fill="hold">
                                           <p:stCondLst>
                                             <p:cond delay="0"/>
                                           </p:stCondLst>
@@ -8179,20 +8068,20 @@
                           </p:cTn>
                         </p:par>
                         <p:par>
-                          <p:cTn id="78" fill="hold">
+                          <p:cTn id="73" fill="hold">
                             <p:stCondLst>
                               <p:cond delay="1000"/>
                             </p:stCondLst>
                             <p:childTnLst>
                               <p:par>
-                                <p:cTn id="79" presetID="1" presetClass="entr" presetSubtype="0" fill="hold" grpId="0" nodeType="afterEffect">
+                                <p:cTn id="74" presetID="1" presetClass="entr" presetSubtype="0" fill="hold" grpId="0" nodeType="afterEffect">
                                   <p:stCondLst>
                                     <p:cond delay="500"/>
                                   </p:stCondLst>
                                   <p:childTnLst>
                                     <p:set>
                                       <p:cBhvr>
-                                        <p:cTn id="80" dur="1" fill="hold">
+                                        <p:cTn id="75" dur="1" fill="hold">
                                           <p:stCondLst>
                                             <p:cond delay="0"/>
                                           </p:stCondLst>
@@ -8215,20 +8104,20 @@
                           </p:cTn>
                         </p:par>
                         <p:par>
-                          <p:cTn id="81" fill="hold">
+                          <p:cTn id="76" fill="hold">
                             <p:stCondLst>
                               <p:cond delay="1500"/>
                             </p:stCondLst>
                             <p:childTnLst>
                               <p:par>
-                                <p:cTn id="82" presetID="1" presetClass="entr" presetSubtype="0" fill="hold" grpId="0" nodeType="afterEffect">
+                                <p:cTn id="77" presetID="1" presetClass="entr" presetSubtype="0" fill="hold" grpId="0" nodeType="afterEffect">
                                   <p:stCondLst>
                                     <p:cond delay="500"/>
                                   </p:stCondLst>
                                   <p:childTnLst>
                                     <p:set>
                                       <p:cBhvr>
-                                        <p:cTn id="83" dur="1" fill="hold">
+                                        <p:cTn id="78" dur="1" fill="hold">
                                           <p:stCondLst>
                                             <p:cond delay="0"/>
                                           </p:stCondLst>
@@ -8251,20 +8140,20 @@
                           </p:cTn>
                         </p:par>
                         <p:par>
-                          <p:cTn id="84" fill="hold">
+                          <p:cTn id="79" fill="hold">
                             <p:stCondLst>
                               <p:cond delay="2000"/>
                             </p:stCondLst>
                             <p:childTnLst>
                               <p:par>
-                                <p:cTn id="85" presetID="1" presetClass="entr" presetSubtype="0" fill="hold" grpId="0" nodeType="afterEffect">
+                                <p:cTn id="80" presetID="1" presetClass="entr" presetSubtype="0" fill="hold" grpId="0" nodeType="afterEffect">
                                   <p:stCondLst>
                                     <p:cond delay="500"/>
                                   </p:stCondLst>
                                   <p:childTnLst>
                                     <p:set>
                                       <p:cBhvr>
-                                        <p:cTn id="86" dur="1" fill="hold">
+                                        <p:cTn id="81" dur="1" fill="hold">
                                           <p:stCondLst>
                                             <p:cond delay="0"/>
                                           </p:stCondLst>
@@ -8287,20 +8176,20 @@
                           </p:cTn>
                         </p:par>
                         <p:par>
-                          <p:cTn id="87" fill="hold">
+                          <p:cTn id="82" fill="hold">
                             <p:stCondLst>
                               <p:cond delay="2500"/>
                             </p:stCondLst>
                             <p:childTnLst>
                               <p:par>
-                                <p:cTn id="88" presetID="1" presetClass="entr" presetSubtype="0" fill="hold" grpId="0" nodeType="afterEffect">
+                                <p:cTn id="83" presetID="1" presetClass="entr" presetSubtype="0" fill="hold" grpId="0" nodeType="afterEffect">
                                   <p:stCondLst>
                                     <p:cond delay="500"/>
                                   </p:stCondLst>
                                   <p:childTnLst>
                                     <p:set>
                                       <p:cBhvr>
-                                        <p:cTn id="89" dur="1" fill="hold">
+                                        <p:cTn id="84" dur="1" fill="hold">
                                           <p:stCondLst>
                                             <p:cond delay="0"/>
                                           </p:stCondLst>
@@ -8323,20 +8212,20 @@
                           </p:cTn>
                         </p:par>
                         <p:par>
-                          <p:cTn id="90" fill="hold">
+                          <p:cTn id="85" fill="hold">
                             <p:stCondLst>
                               <p:cond delay="3000"/>
                             </p:stCondLst>
                             <p:childTnLst>
                               <p:par>
-                                <p:cTn id="91" presetID="1" presetClass="entr" presetSubtype="0" fill="hold" grpId="0" nodeType="afterEffect">
+                                <p:cTn id="86" presetID="1" presetClass="entr" presetSubtype="0" fill="hold" grpId="0" nodeType="afterEffect">
                                   <p:stCondLst>
                                     <p:cond delay="500"/>
                                   </p:stCondLst>
                                   <p:childTnLst>
                                     <p:set>
                                       <p:cBhvr>
-                                        <p:cTn id="92" dur="1" fill="hold">
+                                        <p:cTn id="87" dur="1" fill="hold">
                                           <p:stCondLst>
                                             <p:cond delay="0"/>
                                           </p:stCondLst>
@@ -8359,20 +8248,20 @@
                           </p:cTn>
                         </p:par>
                         <p:par>
-                          <p:cTn id="93" fill="hold">
+                          <p:cTn id="88" fill="hold">
                             <p:stCondLst>
                               <p:cond delay="3500"/>
                             </p:stCondLst>
                             <p:childTnLst>
                               <p:par>
-                                <p:cTn id="94" presetID="1" presetClass="entr" presetSubtype="0" fill="hold" grpId="0" nodeType="afterEffect">
+                                <p:cTn id="89" presetID="1" presetClass="entr" presetSubtype="0" fill="hold" grpId="0" nodeType="afterEffect">
                                   <p:stCondLst>
                                     <p:cond delay="500"/>
                                   </p:stCondLst>
                                   <p:childTnLst>
                                     <p:set>
                                       <p:cBhvr>
-                                        <p:cTn id="95" dur="1" fill="hold">
+                                        <p:cTn id="90" dur="1" fill="hold">
                                           <p:stCondLst>
                                             <p:cond delay="0"/>
                                           </p:stCondLst>
@@ -8398,26 +8287,26 @@
                     </p:cTn>
                   </p:par>
                   <p:par>
-                    <p:cTn id="96" fill="hold">
+                    <p:cTn id="91" fill="hold">
                       <p:stCondLst>
                         <p:cond delay="indefinite"/>
                       </p:stCondLst>
                       <p:childTnLst>
                         <p:par>
-                          <p:cTn id="97" fill="hold">
+                          <p:cTn id="92" fill="hold">
                             <p:stCondLst>
                               <p:cond delay="0"/>
                             </p:stCondLst>
                             <p:childTnLst>
                               <p:par>
-                                <p:cTn id="98" presetID="1" presetClass="exit" presetSubtype="0" fill="hold" grpId="1" nodeType="clickEffect">
+                                <p:cTn id="93" presetID="1" presetClass="exit" presetSubtype="0" fill="hold" grpId="1" nodeType="clickEffect">
                                   <p:stCondLst>
                                     <p:cond delay="0"/>
                                   </p:stCondLst>
                                   <p:childTnLst>
                                     <p:set>
                                       <p:cBhvr>
-                                        <p:cTn id="99" dur="1" fill="hold">
+                                        <p:cTn id="94" dur="1" fill="hold">
                                           <p:stCondLst>
                                             <p:cond delay="0"/>
                                           </p:stCondLst>
@@ -8437,14 +8326,14 @@
                                 </p:cTn>
                               </p:par>
                               <p:par>
-                                <p:cTn id="100" presetID="10" presetClass="entr" presetSubtype="0" fill="hold" grpId="0" nodeType="withEffect">
+                                <p:cTn id="95" presetID="10" presetClass="entr" presetSubtype="0" fill="hold" grpId="0" nodeType="withEffect">
                                   <p:stCondLst>
                                     <p:cond delay="0"/>
                                   </p:stCondLst>
                                   <p:childTnLst>
                                     <p:set>
                                       <p:cBhvr>
-                                        <p:cTn id="101" dur="1" fill="hold">
+                                        <p:cTn id="96" dur="1" fill="hold">
                                           <p:stCondLst>
                                             <p:cond delay="0"/>
                                           </p:stCondLst>
@@ -8462,7 +8351,7 @@
                                     </p:set>
                                     <p:animEffect transition="in" filter="fade">
                                       <p:cBhvr>
-                                        <p:cTn id="102" dur="500"/>
+                                        <p:cTn id="97" dur="500"/>
                                         <p:tgtEl>
                                           <p:spTgt spid="17"/>
                                         </p:tgtEl>
@@ -8478,26 +8367,26 @@
                     </p:cTn>
                   </p:par>
                   <p:par>
-                    <p:cTn id="103" fill="hold">
+                    <p:cTn id="98" fill="hold">
                       <p:stCondLst>
                         <p:cond delay="indefinite"/>
                       </p:stCondLst>
                       <p:childTnLst>
                         <p:par>
-                          <p:cTn id="104" fill="hold">
+                          <p:cTn id="99" fill="hold">
                             <p:stCondLst>
                               <p:cond delay="0"/>
                             </p:stCondLst>
                             <p:childTnLst>
                               <p:par>
-                                <p:cTn id="105" presetID="1" presetClass="entr" presetSubtype="0" fill="hold" grpId="0" nodeType="clickEffect">
+                                <p:cTn id="100" presetID="1" presetClass="entr" presetSubtype="0" fill="hold" grpId="0" nodeType="clickEffect">
                                   <p:stCondLst>
                                     <p:cond delay="0"/>
                                   </p:stCondLst>
                                   <p:childTnLst>
                                     <p:set>
                                       <p:cBhvr>
-                                        <p:cTn id="106" dur="1" fill="hold">
+                                        <p:cTn id="101" dur="1" fill="hold">
                                           <p:stCondLst>
                                             <p:cond delay="0"/>
                                           </p:stCondLst>
@@ -8520,20 +8409,20 @@
                           </p:cTn>
                         </p:par>
                         <p:par>
-                          <p:cTn id="107" fill="hold">
+                          <p:cTn id="102" fill="hold">
                             <p:stCondLst>
                               <p:cond delay="0"/>
                             </p:stCondLst>
                             <p:childTnLst>
                               <p:par>
-                                <p:cTn id="108" presetID="1" presetClass="entr" presetSubtype="0" fill="hold" grpId="0" nodeType="afterEffect">
+                                <p:cTn id="103" presetID="1" presetClass="entr" presetSubtype="0" fill="hold" grpId="0" nodeType="afterEffect">
                                   <p:stCondLst>
                                     <p:cond delay="500"/>
                                   </p:stCondLst>
                                   <p:childTnLst>
                                     <p:set>
                                       <p:cBhvr>
-                                        <p:cTn id="109" dur="1" fill="hold">
+                                        <p:cTn id="104" dur="1" fill="hold">
                                           <p:stCondLst>
                                             <p:cond delay="0"/>
                                           </p:stCondLst>
@@ -8556,20 +8445,20 @@
                           </p:cTn>
                         </p:par>
                         <p:par>
-                          <p:cTn id="110" fill="hold">
+                          <p:cTn id="105" fill="hold">
                             <p:stCondLst>
                               <p:cond delay="500"/>
                             </p:stCondLst>
                             <p:childTnLst>
                               <p:par>
-                                <p:cTn id="111" presetID="1" presetClass="entr" presetSubtype="0" fill="hold" grpId="0" nodeType="afterEffect">
+                                <p:cTn id="106" presetID="1" presetClass="entr" presetSubtype="0" fill="hold" grpId="0" nodeType="afterEffect">
                                   <p:stCondLst>
                                     <p:cond delay="500"/>
                                   </p:stCondLst>
                                   <p:childTnLst>
                                     <p:set>
                                       <p:cBhvr>
-                                        <p:cTn id="112" dur="1" fill="hold">
+                                        <p:cTn id="107" dur="1" fill="hold">
                                           <p:stCondLst>
                                             <p:cond delay="0"/>
                                           </p:stCondLst>
@@ -8592,20 +8481,20 @@
                           </p:cTn>
                         </p:par>
                         <p:par>
-                          <p:cTn id="113" fill="hold">
+                          <p:cTn id="108" fill="hold">
                             <p:stCondLst>
                               <p:cond delay="1000"/>
                             </p:stCondLst>
                             <p:childTnLst>
                               <p:par>
-                                <p:cTn id="114" presetID="1" presetClass="entr" presetSubtype="0" fill="hold" grpId="0" nodeType="afterEffect">
+                                <p:cTn id="109" presetID="1" presetClass="entr" presetSubtype="0" fill="hold" grpId="0" nodeType="afterEffect">
                                   <p:stCondLst>
                                     <p:cond delay="500"/>
                                   </p:stCondLst>
                                   <p:childTnLst>
                                     <p:set>
                                       <p:cBhvr>
-                                        <p:cTn id="115" dur="1" fill="hold">
+                                        <p:cTn id="110" dur="1" fill="hold">
                                           <p:stCondLst>
                                             <p:cond delay="0"/>
                                           </p:stCondLst>
@@ -8631,26 +8520,26 @@
                     </p:cTn>
                   </p:par>
                   <p:par>
-                    <p:cTn id="116" fill="hold">
+                    <p:cTn id="111" fill="hold">
                       <p:stCondLst>
                         <p:cond delay="indefinite"/>
                       </p:stCondLst>
                       <p:childTnLst>
                         <p:par>
-                          <p:cTn id="117" fill="hold">
+                          <p:cTn id="112" fill="hold">
                             <p:stCondLst>
                               <p:cond delay="0"/>
                             </p:stCondLst>
                             <p:childTnLst>
                               <p:par>
-                                <p:cTn id="118" presetID="1" presetClass="exit" presetSubtype="0" fill="hold" grpId="1" nodeType="clickEffect">
+                                <p:cTn id="113" presetID="1" presetClass="exit" presetSubtype="0" fill="hold" grpId="1" nodeType="clickEffect">
                                   <p:stCondLst>
                                     <p:cond delay="0"/>
                                   </p:stCondLst>
                                   <p:childTnLst>
                                     <p:set>
                                       <p:cBhvr>
-                                        <p:cTn id="119" dur="1" fill="hold">
+                                        <p:cTn id="114" dur="1" fill="hold">
                                           <p:stCondLst>
                                             <p:cond delay="0"/>
                                           </p:stCondLst>
@@ -8670,14 +8559,14 @@
                                 </p:cTn>
                               </p:par>
                               <p:par>
-                                <p:cTn id="120" presetID="10" presetClass="exit" presetSubtype="0" fill="hold" grpId="1" nodeType="withEffect">
+                                <p:cTn id="115" presetID="10" presetClass="exit" presetSubtype="0" fill="hold" grpId="1" nodeType="withEffect">
                                   <p:stCondLst>
                                     <p:cond delay="0"/>
                                   </p:stCondLst>
                                   <p:childTnLst>
                                     <p:animEffect transition="out" filter="fade">
                                       <p:cBhvr>
-                                        <p:cTn id="121" dur="500"/>
+                                        <p:cTn id="116" dur="500"/>
                                         <p:tgtEl>
                                           <p:spTgt spid="2"/>
                                         </p:tgtEl>
@@ -8685,7 +8574,7 @@
                                     </p:animEffect>
                                     <p:set>
                                       <p:cBhvr>
-                                        <p:cTn id="122" dur="1" fill="hold">
+                                        <p:cTn id="117" dur="1" fill="hold">
                                           <p:stCondLst>
                                             <p:cond delay="499"/>
                                           </p:stCondLst>
@@ -8705,14 +8594,14 @@
                                 </p:cTn>
                               </p:par>
                               <p:par>
-                                <p:cTn id="123" presetID="10" presetClass="exit" presetSubtype="0" fill="hold" grpId="0" nodeType="withEffect">
+                                <p:cTn id="118" presetID="10" presetClass="exit" presetSubtype="0" fill="hold" grpId="0" nodeType="withEffect">
                                   <p:stCondLst>
                                     <p:cond delay="0"/>
                                   </p:stCondLst>
                                   <p:childTnLst>
                                     <p:animEffect transition="out" filter="fade">
                                       <p:cBhvr>
-                                        <p:cTn id="124" dur="500"/>
+                                        <p:cTn id="119" dur="500"/>
                                         <p:tgtEl>
                                           <p:spTgt spid="3"/>
                                         </p:tgtEl>
@@ -8720,7 +8609,7 @@
                                     </p:animEffect>
                                     <p:set>
                                       <p:cBhvr>
-                                        <p:cTn id="125" dur="1" fill="hold">
+                                        <p:cTn id="120" dur="1" fill="hold">
                                           <p:stCondLst>
                                             <p:cond delay="499"/>
                                           </p:stCondLst>
@@ -8740,19 +8629,19 @@
                                 </p:cTn>
                               </p:par>
                               <p:par>
-                                <p:cTn id="126" presetID="10" presetClass="exit" presetSubtype="0" fill="hold" grpId="0" nodeType="withEffect" nodePh="1">
+                                <p:cTn id="121" presetID="10" presetClass="exit" presetSubtype="0" fill="hold" grpId="0" nodeType="withEffect" nodePh="1">
                                   <p:stCondLst>
                                     <p:cond delay="0"/>
                                   </p:stCondLst>
                                   <p:endCondLst>
                                     <p:cond evt="begin" delay="0">
-                                      <p:tn val="126"/>
+                                      <p:tn val="121"/>
                                     </p:cond>
                                   </p:endCondLst>
                                   <p:childTnLst>
                                     <p:animEffect transition="out" filter="fade">
                                       <p:cBhvr>
-                                        <p:cTn id="127" dur="500"/>
+                                        <p:cTn id="122" dur="500"/>
                                         <p:tgtEl>
                                           <p:spTgt spid="30722"/>
                                         </p:tgtEl>
@@ -8760,7 +8649,7 @@
                                     </p:animEffect>
                                     <p:set>
                                       <p:cBhvr>
-                                        <p:cTn id="128" dur="1" fill="hold">
+                                        <p:cTn id="123" dur="1" fill="hold">
                                           <p:stCondLst>
                                             <p:cond delay="499"/>
                                           </p:stCondLst>
@@ -8780,14 +8669,14 @@
                                 </p:cTn>
                               </p:par>
                               <p:par>
-                                <p:cTn id="129" presetID="10" presetClass="exit" presetSubtype="0" fill="hold" grpId="2" nodeType="withEffect">
+                                <p:cTn id="124" presetID="10" presetClass="exit" presetSubtype="0" fill="hold" grpId="2" nodeType="withEffect">
                                   <p:stCondLst>
                                     <p:cond delay="0"/>
                                   </p:stCondLst>
                                   <p:childTnLst>
                                     <p:animEffect transition="out" filter="fade">
                                       <p:cBhvr>
-                                        <p:cTn id="130" dur="500"/>
+                                        <p:cTn id="125" dur="500"/>
                                         <p:tgtEl>
                                           <p:spTgt spid="10"/>
                                         </p:tgtEl>
@@ -8795,7 +8684,7 @@
                                     </p:animEffect>
                                     <p:set>
                                       <p:cBhvr>
-                                        <p:cTn id="131" dur="1" fill="hold">
+                                        <p:cTn id="126" dur="1" fill="hold">
                                           <p:stCondLst>
                                             <p:cond delay="499"/>
                                           </p:stCondLst>
@@ -8815,14 +8704,14 @@
                                 </p:cTn>
                               </p:par>
                               <p:par>
-                                <p:cTn id="132" presetID="10" presetClass="exit" presetSubtype="0" fill="hold" grpId="2" nodeType="withEffect">
+                                <p:cTn id="127" presetID="10" presetClass="exit" presetSubtype="0" fill="hold" grpId="2" nodeType="withEffect">
                                   <p:stCondLst>
                                     <p:cond delay="0"/>
                                   </p:stCondLst>
                                   <p:childTnLst>
                                     <p:animEffect transition="out" filter="fade">
                                       <p:cBhvr>
-                                        <p:cTn id="133" dur="500"/>
+                                        <p:cTn id="128" dur="500"/>
                                         <p:tgtEl>
                                           <p:spTgt spid="11"/>
                                         </p:tgtEl>
@@ -8830,7 +8719,7 @@
                                     </p:animEffect>
                                     <p:set>
                                       <p:cBhvr>
-                                        <p:cTn id="134" dur="1" fill="hold">
+                                        <p:cTn id="129" dur="1" fill="hold">
                                           <p:stCondLst>
                                             <p:cond delay="499"/>
                                           </p:stCondLst>
@@ -8850,14 +8739,14 @@
                                 </p:cTn>
                               </p:par>
                               <p:par>
-                                <p:cTn id="135" presetID="10" presetClass="exit" presetSubtype="0" fill="hold" grpId="2" nodeType="withEffect">
+                                <p:cTn id="130" presetID="10" presetClass="exit" presetSubtype="0" fill="hold" grpId="2" nodeType="withEffect">
                                   <p:stCondLst>
                                     <p:cond delay="0"/>
                                   </p:stCondLst>
                                   <p:childTnLst>
                                     <p:animEffect transition="out" filter="fade">
                                       <p:cBhvr>
-                                        <p:cTn id="136" dur="500"/>
+                                        <p:cTn id="131" dur="500"/>
                                         <p:tgtEl>
                                           <p:spTgt spid="12"/>
                                         </p:tgtEl>
@@ -8865,7 +8754,7 @@
                                     </p:animEffect>
                                     <p:set>
                                       <p:cBhvr>
-                                        <p:cTn id="137" dur="1" fill="hold">
+                                        <p:cTn id="132" dur="1" fill="hold">
                                           <p:stCondLst>
                                             <p:cond delay="499"/>
                                           </p:stCondLst>
@@ -8885,14 +8774,14 @@
                                 </p:cTn>
                               </p:par>
                               <p:par>
-                                <p:cTn id="138" presetID="10" presetClass="exit" presetSubtype="0" fill="hold" grpId="2" nodeType="withEffect">
+                                <p:cTn id="133" presetID="10" presetClass="exit" presetSubtype="0" fill="hold" grpId="2" nodeType="withEffect">
                                   <p:stCondLst>
                                     <p:cond delay="0"/>
                                   </p:stCondLst>
                                   <p:childTnLst>
                                     <p:animEffect transition="out" filter="fade">
                                       <p:cBhvr>
-                                        <p:cTn id="139" dur="500"/>
+                                        <p:cTn id="134" dur="500"/>
                                         <p:tgtEl>
                                           <p:spTgt spid="13"/>
                                         </p:tgtEl>
@@ -8900,13 +8789,75 @@
                                     </p:animEffect>
                                     <p:set>
                                       <p:cBhvr>
-                                        <p:cTn id="140" dur="1" fill="hold">
+                                        <p:cTn id="135" dur="1" fill="hold">
                                           <p:stCondLst>
                                             <p:cond delay="499"/>
                                           </p:stCondLst>
                                         </p:cTn>
                                         <p:tgtEl>
                                           <p:spTgt spid="13"/>
+                                        </p:tgtEl>
+                                        <p:attrNameLst>
+                                          <p:attrName>style.visibility</p:attrName>
+                                        </p:attrNameLst>
+                                      </p:cBhvr>
+                                      <p:to>
+                                        <p:strVal val="hidden"/>
+                                      </p:to>
+                                    </p:set>
+                                  </p:childTnLst>
+                                </p:cTn>
+                              </p:par>
+                              <p:par>
+                                <p:cTn id="136" presetID="10" presetClass="exit" presetSubtype="0" fill="hold" grpId="2" nodeType="withEffect">
+                                  <p:stCondLst>
+                                    <p:cond delay="0"/>
+                                  </p:stCondLst>
+                                  <p:childTnLst>
+                                    <p:animEffect transition="out" filter="fade">
+                                      <p:cBhvr>
+                                        <p:cTn id="137" dur="500"/>
+                                        <p:tgtEl>
+                                          <p:spTgt spid="14"/>
+                                        </p:tgtEl>
+                                      </p:cBhvr>
+                                    </p:animEffect>
+                                    <p:set>
+                                      <p:cBhvr>
+                                        <p:cTn id="138" dur="1" fill="hold">
+                                          <p:stCondLst>
+                                            <p:cond delay="499"/>
+                                          </p:stCondLst>
+                                        </p:cTn>
+                                        <p:tgtEl>
+                                          <p:spTgt spid="14"/>
+                                        </p:tgtEl>
+                                        <p:attrNameLst>
+                                          <p:attrName>style.visibility</p:attrName>
+                                        </p:attrNameLst>
+                                      </p:cBhvr>
+                                      <p:to>
+                                        <p:strVal val="hidden"/>
+                                      </p:to>
+                                    </p:set>
+                                  </p:childTnLst>
+                                </p:cTn>
+                              </p:par>
+                              <p:par>
+                                <p:cTn id="139" presetID="1" presetClass="exit" presetSubtype="0" fill="hold" grpId="1" nodeType="withEffect">
+                                  <p:stCondLst>
+                                    <p:cond delay="0"/>
+                                  </p:stCondLst>
+                                  <p:childTnLst>
+                                    <p:set>
+                                      <p:cBhvr>
+                                        <p:cTn id="140" dur="1" fill="hold">
+                                          <p:stCondLst>
+                                            <p:cond delay="0"/>
+                                          </p:stCondLst>
+                                        </p:cTn>
+                                        <p:tgtEl>
+                                          <p:spTgt spid="37"/>
                                         </p:tgtEl>
                                         <p:attrNameLst>
                                           <p:attrName>style.visibility</p:attrName>
@@ -8929,7 +8880,7 @@
                                       <p:cBhvr>
                                         <p:cTn id="142" dur="500"/>
                                         <p:tgtEl>
-                                          <p:spTgt spid="14"/>
+                                          <p:spTgt spid="15"/>
                                         </p:tgtEl>
                                       </p:cBhvr>
                                     </p:animEffect>
@@ -8941,7 +8892,7 @@
                                           </p:stCondLst>
                                         </p:cTn>
                                         <p:tgtEl>
-                                          <p:spTgt spid="14"/>
+                                          <p:spTgt spid="15"/>
                                         </p:tgtEl>
                                         <p:attrNameLst>
                                           <p:attrName>style.visibility</p:attrName>
@@ -8955,7 +8906,7 @@
                                 </p:cTn>
                               </p:par>
                               <p:par>
-                                <p:cTn id="144" presetID="10" presetClass="exit" presetSubtype="0" fill="hold" grpId="2" nodeType="withEffect">
+                                <p:cTn id="144" presetID="10" presetClass="exit" presetSubtype="0" fill="hold" grpId="1" nodeType="withEffect">
                                   <p:stCondLst>
                                     <p:cond delay="0"/>
                                   </p:stCondLst>
@@ -8964,7 +8915,7 @@
                                       <p:cBhvr>
                                         <p:cTn id="145" dur="500"/>
                                         <p:tgtEl>
-                                          <p:spTgt spid="15"/>
+                                          <p:spTgt spid="20"/>
                                         </p:tgtEl>
                                       </p:cBhvr>
                                     </p:animEffect>
@@ -8976,7 +8927,7 @@
                                           </p:stCondLst>
                                         </p:cTn>
                                         <p:tgtEl>
-                                          <p:spTgt spid="15"/>
+                                          <p:spTgt spid="20"/>
                                         </p:tgtEl>
                                         <p:attrNameLst>
                                           <p:attrName>style.visibility</p:attrName>
@@ -8999,7 +8950,7 @@
                                       <p:cBhvr>
                                         <p:cTn id="148" dur="500"/>
                                         <p:tgtEl>
-                                          <p:spTgt spid="20"/>
+                                          <p:spTgt spid="21"/>
                                         </p:tgtEl>
                                       </p:cBhvr>
                                     </p:animEffect>
@@ -9011,7 +8962,7 @@
                                           </p:stCondLst>
                                         </p:cTn>
                                         <p:tgtEl>
-                                          <p:spTgt spid="20"/>
+                                          <p:spTgt spid="21"/>
                                         </p:tgtEl>
                                         <p:attrNameLst>
                                           <p:attrName>style.visibility</p:attrName>
@@ -9034,7 +8985,7 @@
                                       <p:cBhvr>
                                         <p:cTn id="151" dur="500"/>
                                         <p:tgtEl>
-                                          <p:spTgt spid="21"/>
+                                          <p:spTgt spid="24"/>
                                         </p:tgtEl>
                                       </p:cBhvr>
                                     </p:animEffect>
@@ -9046,7 +8997,7 @@
                                           </p:stCondLst>
                                         </p:cTn>
                                         <p:tgtEl>
-                                          <p:spTgt spid="21"/>
+                                          <p:spTgt spid="24"/>
                                         </p:tgtEl>
                                         <p:attrNameLst>
                                           <p:attrName>style.visibility</p:attrName>
@@ -9060,7 +9011,7 @@
                                 </p:cTn>
                               </p:par>
                               <p:par>
-                                <p:cTn id="153" presetID="10" presetClass="exit" presetSubtype="0" fill="hold" grpId="0" nodeType="withEffect">
+                                <p:cTn id="153" presetID="10" presetClass="exit" presetSubtype="0" fill="hold" grpId="1" nodeType="withEffect">
                                   <p:stCondLst>
                                     <p:cond delay="0"/>
                                   </p:stCondLst>
@@ -9069,7 +9020,7 @@
                                       <p:cBhvr>
                                         <p:cTn id="154" dur="500"/>
                                         <p:tgtEl>
-                                          <p:spTgt spid="22"/>
+                                          <p:spTgt spid="25"/>
                                         </p:tgtEl>
                                       </p:cBhvr>
                                     </p:animEffect>
@@ -9081,7 +9032,7 @@
                                           </p:stCondLst>
                                         </p:cTn>
                                         <p:tgtEl>
-                                          <p:spTgt spid="22"/>
+                                          <p:spTgt spid="25"/>
                                         </p:tgtEl>
                                         <p:attrNameLst>
                                           <p:attrName>style.visibility</p:attrName>
@@ -9104,7 +9055,7 @@
                                       <p:cBhvr>
                                         <p:cTn id="157" dur="500"/>
                                         <p:tgtEl>
-                                          <p:spTgt spid="24"/>
+                                          <p:spTgt spid="26"/>
                                         </p:tgtEl>
                                       </p:cBhvr>
                                     </p:animEffect>
@@ -9116,7 +9067,7 @@
                                           </p:stCondLst>
                                         </p:cTn>
                                         <p:tgtEl>
-                                          <p:spTgt spid="24"/>
+                                          <p:spTgt spid="26"/>
                                         </p:tgtEl>
                                         <p:attrNameLst>
                                           <p:attrName>style.visibility</p:attrName>
@@ -9139,7 +9090,7 @@
                                       <p:cBhvr>
                                         <p:cTn id="160" dur="500"/>
                                         <p:tgtEl>
-                                          <p:spTgt spid="25"/>
+                                          <p:spTgt spid="27"/>
                                         </p:tgtEl>
                                       </p:cBhvr>
                                     </p:animEffect>
@@ -9151,7 +9102,7 @@
                                           </p:stCondLst>
                                         </p:cTn>
                                         <p:tgtEl>
-                                          <p:spTgt spid="25"/>
+                                          <p:spTgt spid="27"/>
                                         </p:tgtEl>
                                         <p:attrNameLst>
                                           <p:attrName>style.visibility</p:attrName>
@@ -9174,7 +9125,7 @@
                                       <p:cBhvr>
                                         <p:cTn id="163" dur="500"/>
                                         <p:tgtEl>
-                                          <p:spTgt spid="26"/>
+                                          <p:spTgt spid="28"/>
                                         </p:tgtEl>
                                       </p:cBhvr>
                                     </p:animEffect>
@@ -9186,7 +9137,7 @@
                                           </p:stCondLst>
                                         </p:cTn>
                                         <p:tgtEl>
-                                          <p:spTgt spid="26"/>
+                                          <p:spTgt spid="28"/>
                                         </p:tgtEl>
                                         <p:attrNameLst>
                                           <p:attrName>style.visibility</p:attrName>
@@ -9209,7 +9160,7 @@
                                       <p:cBhvr>
                                         <p:cTn id="166" dur="500"/>
                                         <p:tgtEl>
-                                          <p:spTgt spid="27"/>
+                                          <p:spTgt spid="29"/>
                                         </p:tgtEl>
                                       </p:cBhvr>
                                     </p:animEffect>
@@ -9221,7 +9172,7 @@
                                           </p:stCondLst>
                                         </p:cTn>
                                         <p:tgtEl>
-                                          <p:spTgt spid="27"/>
+                                          <p:spTgt spid="29"/>
                                         </p:tgtEl>
                                         <p:attrNameLst>
                                           <p:attrName>style.visibility</p:attrName>
@@ -9244,7 +9195,7 @@
                                       <p:cBhvr>
                                         <p:cTn id="169" dur="500"/>
                                         <p:tgtEl>
-                                          <p:spTgt spid="28"/>
+                                          <p:spTgt spid="30"/>
                                         </p:tgtEl>
                                       </p:cBhvr>
                                     </p:animEffect>
@@ -9256,7 +9207,7 @@
                                           </p:stCondLst>
                                         </p:cTn>
                                         <p:tgtEl>
-                                          <p:spTgt spid="28"/>
+                                          <p:spTgt spid="30"/>
                                         </p:tgtEl>
                                         <p:attrNameLst>
                                           <p:attrName>style.visibility</p:attrName>
@@ -9279,7 +9230,7 @@
                                       <p:cBhvr>
                                         <p:cTn id="172" dur="500"/>
                                         <p:tgtEl>
-                                          <p:spTgt spid="29"/>
+                                          <p:spTgt spid="31"/>
                                         </p:tgtEl>
                                       </p:cBhvr>
                                     </p:animEffect>
@@ -9291,7 +9242,7 @@
                                           </p:stCondLst>
                                         </p:cTn>
                                         <p:tgtEl>
-                                          <p:spTgt spid="29"/>
+                                          <p:spTgt spid="31"/>
                                         </p:tgtEl>
                                         <p:attrNameLst>
                                           <p:attrName>style.visibility</p:attrName>
@@ -9314,7 +9265,7 @@
                                       <p:cBhvr>
                                         <p:cTn id="175" dur="500"/>
                                         <p:tgtEl>
-                                          <p:spTgt spid="30"/>
+                                          <p:spTgt spid="32"/>
                                         </p:tgtEl>
                                       </p:cBhvr>
                                     </p:animEffect>
@@ -9326,7 +9277,7 @@
                                           </p:stCondLst>
                                         </p:cTn>
                                         <p:tgtEl>
-                                          <p:spTgt spid="30"/>
+                                          <p:spTgt spid="32"/>
                                         </p:tgtEl>
                                         <p:attrNameLst>
                                           <p:attrName>style.visibility</p:attrName>
@@ -9349,83 +9300,13 @@
                                       <p:cBhvr>
                                         <p:cTn id="178" dur="500"/>
                                         <p:tgtEl>
-                                          <p:spTgt spid="31"/>
+                                          <p:spTgt spid="33"/>
                                         </p:tgtEl>
                                       </p:cBhvr>
                                     </p:animEffect>
                                     <p:set>
                                       <p:cBhvr>
                                         <p:cTn id="179" dur="1" fill="hold">
-                                          <p:stCondLst>
-                                            <p:cond delay="499"/>
-                                          </p:stCondLst>
-                                        </p:cTn>
-                                        <p:tgtEl>
-                                          <p:spTgt spid="31"/>
-                                        </p:tgtEl>
-                                        <p:attrNameLst>
-                                          <p:attrName>style.visibility</p:attrName>
-                                        </p:attrNameLst>
-                                      </p:cBhvr>
-                                      <p:to>
-                                        <p:strVal val="hidden"/>
-                                      </p:to>
-                                    </p:set>
-                                  </p:childTnLst>
-                                </p:cTn>
-                              </p:par>
-                              <p:par>
-                                <p:cTn id="180" presetID="10" presetClass="exit" presetSubtype="0" fill="hold" grpId="1" nodeType="withEffect">
-                                  <p:stCondLst>
-                                    <p:cond delay="0"/>
-                                  </p:stCondLst>
-                                  <p:childTnLst>
-                                    <p:animEffect transition="out" filter="fade">
-                                      <p:cBhvr>
-                                        <p:cTn id="181" dur="500"/>
-                                        <p:tgtEl>
-                                          <p:spTgt spid="32"/>
-                                        </p:tgtEl>
-                                      </p:cBhvr>
-                                    </p:animEffect>
-                                    <p:set>
-                                      <p:cBhvr>
-                                        <p:cTn id="182" dur="1" fill="hold">
-                                          <p:stCondLst>
-                                            <p:cond delay="499"/>
-                                          </p:stCondLst>
-                                        </p:cTn>
-                                        <p:tgtEl>
-                                          <p:spTgt spid="32"/>
-                                        </p:tgtEl>
-                                        <p:attrNameLst>
-                                          <p:attrName>style.visibility</p:attrName>
-                                        </p:attrNameLst>
-                                      </p:cBhvr>
-                                      <p:to>
-                                        <p:strVal val="hidden"/>
-                                      </p:to>
-                                    </p:set>
-                                  </p:childTnLst>
-                                </p:cTn>
-                              </p:par>
-                              <p:par>
-                                <p:cTn id="183" presetID="10" presetClass="exit" presetSubtype="0" fill="hold" grpId="1" nodeType="withEffect">
-                                  <p:stCondLst>
-                                    <p:cond delay="0"/>
-                                  </p:stCondLst>
-                                  <p:childTnLst>
-                                    <p:animEffect transition="out" filter="fade">
-                                      <p:cBhvr>
-                                        <p:cTn id="184" dur="500"/>
-                                        <p:tgtEl>
-                                          <p:spTgt spid="33"/>
-                                        </p:tgtEl>
-                                      </p:cBhvr>
-                                    </p:animEffect>
-                                    <p:set>
-                                      <p:cBhvr>
-                                        <p:cTn id="185" dur="1" fill="hold">
                                           <p:stCondLst>
                                             <p:cond delay="499"/>
                                           </p:stCondLst>
@@ -9448,20 +9329,20 @@
                           </p:cTn>
                         </p:par>
                         <p:par>
-                          <p:cTn id="186" fill="hold">
+                          <p:cTn id="180" fill="hold">
                             <p:stCondLst>
                               <p:cond delay="500"/>
                             </p:stCondLst>
                             <p:childTnLst>
                               <p:par>
-                                <p:cTn id="187" presetID="42" presetClass="path" presetSubtype="0" accel="50000" decel="50000" fill="hold" nodeType="afterEffect">
+                                <p:cTn id="181" presetID="42" presetClass="path" presetSubtype="0" accel="50000" decel="50000" fill="hold" nodeType="afterEffect">
                                   <p:stCondLst>
                                     <p:cond delay="500"/>
                                   </p:stCondLst>
                                   <p:childTnLst>
                                     <p:animMotion origin="layout" path="M 0 0.33333 L 0 1.22762 " pathEditMode="relative" rAng="0" ptsTypes="AA">
                                       <p:cBhvr>
-                                        <p:cTn id="188" dur="2000" fill="hold"/>
+                                        <p:cTn id="182" dur="2000" fill="hold"/>
                                         <p:tgtEl>
                                           <p:spTgt spid="30723"/>
                                         </p:tgtEl>
@@ -9476,14 +9357,14 @@
                                 </p:cTn>
                               </p:par>
                               <p:par>
-                                <p:cTn id="189" presetID="10" presetClass="entr" presetSubtype="0" fill="hold" grpId="0" nodeType="withEffect">
+                                <p:cTn id="183" presetID="10" presetClass="entr" presetSubtype="0" fill="hold" grpId="0" nodeType="withEffect">
                                   <p:stCondLst>
                                     <p:cond delay="500"/>
                                   </p:stCondLst>
                                   <p:childTnLst>
                                     <p:set>
                                       <p:cBhvr>
-                                        <p:cTn id="190" dur="1" fill="hold">
+                                        <p:cTn id="184" dur="1" fill="hold">
                                           <p:stCondLst>
                                             <p:cond delay="0"/>
                                           </p:stCondLst>
@@ -9501,7 +9382,7 @@
                                     </p:set>
                                     <p:animEffect transition="in" filter="fade">
                                       <p:cBhvr>
-                                        <p:cTn id="191" dur="500"/>
+                                        <p:cTn id="185" dur="500"/>
                                         <p:tgtEl>
                                           <p:spTgt spid="34"/>
                                         </p:tgtEl>
@@ -9517,26 +9398,26 @@
                     </p:cTn>
                   </p:par>
                   <p:par>
-                    <p:cTn id="192" fill="hold">
+                    <p:cTn id="186" fill="hold">
                       <p:stCondLst>
                         <p:cond delay="indefinite"/>
                       </p:stCondLst>
                       <p:childTnLst>
                         <p:par>
-                          <p:cTn id="193" fill="hold">
+                          <p:cTn id="187" fill="hold">
                             <p:stCondLst>
                               <p:cond delay="0"/>
                             </p:stCondLst>
                             <p:childTnLst>
                               <p:par>
-                                <p:cTn id="194" presetID="1" presetClass="exit" presetSubtype="0" fill="hold" grpId="1" nodeType="clickEffect">
+                                <p:cTn id="188" presetID="1" presetClass="exit" presetSubtype="0" fill="hold" grpId="1" nodeType="clickEffect">
                                   <p:stCondLst>
                                     <p:cond delay="0"/>
                                   </p:stCondLst>
                                   <p:childTnLst>
                                     <p:set>
                                       <p:cBhvr>
-                                        <p:cTn id="195" dur="1" fill="hold">
+                                        <p:cTn id="189" dur="1" fill="hold">
                                           <p:stCondLst>
                                             <p:cond delay="0"/>
                                           </p:stCondLst>
@@ -9556,14 +9437,14 @@
                                 </p:cTn>
                               </p:par>
                               <p:par>
-                                <p:cTn id="196" presetID="10" presetClass="entr" presetSubtype="0" fill="hold" grpId="0" nodeType="withEffect">
+                                <p:cTn id="190" presetID="10" presetClass="entr" presetSubtype="0" fill="hold" grpId="0" nodeType="withEffect">
                                   <p:stCondLst>
                                     <p:cond delay="500"/>
                                   </p:stCondLst>
                                   <p:childTnLst>
                                     <p:set>
                                       <p:cBhvr>
-                                        <p:cTn id="197" dur="1" fill="hold">
+                                        <p:cTn id="191" dur="1" fill="hold">
                                           <p:stCondLst>
                                             <p:cond delay="0"/>
                                           </p:stCondLst>
@@ -9581,7 +9462,7 @@
                                     </p:set>
                                     <p:animEffect transition="in" filter="fade">
                                       <p:cBhvr>
-                                        <p:cTn id="198" dur="500"/>
+                                        <p:cTn id="192" dur="500"/>
                                         <p:tgtEl>
                                           <p:spTgt spid="35"/>
                                         </p:tgtEl>
@@ -9597,26 +9478,26 @@
                     </p:cTn>
                   </p:par>
                   <p:par>
-                    <p:cTn id="199" fill="hold">
+                    <p:cTn id="193" fill="hold">
                       <p:stCondLst>
                         <p:cond delay="indefinite"/>
                       </p:stCondLst>
                       <p:childTnLst>
                         <p:par>
-                          <p:cTn id="200" fill="hold">
+                          <p:cTn id="194" fill="hold">
                             <p:stCondLst>
                               <p:cond delay="0"/>
                             </p:stCondLst>
                             <p:childTnLst>
                               <p:par>
-                                <p:cTn id="201" presetID="1" presetClass="exit" presetSubtype="0" fill="hold" grpId="1" nodeType="clickEffect">
+                                <p:cTn id="195" presetID="1" presetClass="exit" presetSubtype="0" fill="hold" grpId="1" nodeType="clickEffect">
                                   <p:stCondLst>
                                     <p:cond delay="0"/>
                                   </p:stCondLst>
                                   <p:childTnLst>
                                     <p:set>
                                       <p:cBhvr>
-                                        <p:cTn id="202" dur="1" fill="hold">
+                                        <p:cTn id="196" dur="1" fill="hold">
                                           <p:stCondLst>
                                             <p:cond delay="0"/>
                                           </p:stCondLst>
@@ -9696,7 +9577,6 @@
       <p:bldP spid="20" grpId="1" animBg="1"/>
       <p:bldP spid="21" grpId="0" animBg="1"/>
       <p:bldP spid="21" grpId="1" animBg="1"/>
-      <p:bldP spid="22" grpId="0" animBg="1"/>
       <p:bldP spid="24" grpId="0" animBg="1"/>
       <p:bldP spid="24" grpId="1" animBg="1"/>
       <p:bldP spid="25" grpId="0" animBg="1"/>
@@ -9721,6 +9601,8 @@
       <p:bldP spid="34" grpId="1"/>
       <p:bldP spid="35" grpId="0"/>
       <p:bldP spid="35" grpId="1"/>
+      <p:bldP spid="37" grpId="1" animBg="1"/>
+      <p:bldP spid="37" grpId="2" animBg="1"/>
     </p:bldLst>
   </p:timing>
 </p:sld>
@@ -9764,7 +9646,7 @@
                   <a:reflection blurRad="6350" stA="55000" endA="300" endPos="45500" dir="5400000" sy="-100000" algn="bl" rotWithShape="0"/>
                 </a:effectLst>
               </a:rPr>
-              <a:t>Budget</a:t>
+              <a:t>Timeline</a:t>
             </a:r>
             <a:endParaRPr lang="en-AU" dirty="0"/>
           </a:p>
@@ -9791,6 +9673,156 @@
               <a:rPr lang="en-AU" smtClean="0"/>
               <a:pPr/>
               <a:t>13</a:t>
+            </a:fld>
+            <a:endParaRPr lang="en-AU"/>
+          </a:p>
+        </p:txBody>
+      </p:sp>
+      <p:pic>
+        <p:nvPicPr>
+          <p:cNvPr id="5" name="Picture 4" descr="C:\Users\Michael\Documents\Project1.gif"/>
+          <p:cNvPicPr/>
+          <p:nvPr/>
+        </p:nvPicPr>
+        <p:blipFill>
+          <a:blip r:embed="rId2" cstate="print"/>
+          <a:srcRect r="37606"/>
+          <a:stretch>
+            <a:fillRect/>
+          </a:stretch>
+        </p:blipFill>
+        <p:spPr bwMode="auto">
+          <a:xfrm>
+            <a:off x="323528" y="1700808"/>
+            <a:ext cx="8568952" cy="4982492"/>
+          </a:xfrm>
+          <a:prstGeom prst="rect">
+            <a:avLst/>
+          </a:prstGeom>
+          <a:noFill/>
+          <a:ln w="9525">
+            <a:noFill/>
+            <a:miter lim="800000"/>
+            <a:headEnd/>
+            <a:tailEnd/>
+          </a:ln>
+        </p:spPr>
+      </p:pic>
+      <p:cxnSp>
+        <p:nvCxnSpPr>
+          <p:cNvPr id="7" name="Straight Connector 6"/>
+          <p:cNvCxnSpPr/>
+          <p:nvPr/>
+        </p:nvCxnSpPr>
+        <p:spPr>
+          <a:xfrm rot="5400000">
+            <a:off x="4031940" y="4401108"/>
+            <a:ext cx="4536504" cy="0"/>
+          </a:xfrm>
+          <a:prstGeom prst="line">
+            <a:avLst/>
+          </a:prstGeom>
+          <a:ln w="31750">
+            <a:solidFill>
+              <a:srgbClr val="FF0000"/>
+            </a:solidFill>
+          </a:ln>
+        </p:spPr>
+        <p:style>
+          <a:lnRef idx="1">
+            <a:schemeClr val="accent1"/>
+          </a:lnRef>
+          <a:fillRef idx="0">
+            <a:schemeClr val="accent1"/>
+          </a:fillRef>
+          <a:effectRef idx="0">
+            <a:schemeClr val="accent1"/>
+          </a:effectRef>
+          <a:fontRef idx="minor">
+            <a:schemeClr val="tx1"/>
+          </a:fontRef>
+        </p:style>
+      </p:cxnSp>
+    </p:spTree>
+  </p:cSld>
+  <p:clrMapOvr>
+    <a:masterClrMapping/>
+  </p:clrMapOvr>
+  <p:timing>
+    <p:tnLst>
+      <p:par>
+        <p:cTn id="1" dur="indefinite" restart="never" nodeType="tmRoot"/>
+      </p:par>
+    </p:tnLst>
+  </p:timing>
+</p:sld>
+</file>
+
+<file path=ppt/slides/slide14.xml><?xml version="1.0" encoding="utf-8"?>
+<p:sld xmlns:a="http://schemas.openxmlformats.org/drawingml/2006/main" xmlns:r="http://schemas.openxmlformats.org/officeDocument/2006/relationships" xmlns:p="http://schemas.openxmlformats.org/presentationml/2006/main">
+  <p:cSld>
+    <p:spTree>
+      <p:nvGrpSpPr>
+        <p:cNvPr id="1" name=""/>
+        <p:cNvGrpSpPr/>
+        <p:nvPr/>
+      </p:nvGrpSpPr>
+      <p:grpSpPr>
+        <a:xfrm>
+          <a:off x="0" y="0"/>
+          <a:ext cx="0" cy="0"/>
+          <a:chOff x="0" y="0"/>
+          <a:chExt cx="0" cy="0"/>
+        </a:xfrm>
+      </p:grpSpPr>
+      <p:sp>
+        <p:nvSpPr>
+          <p:cNvPr id="2" name="Title 1"/>
+          <p:cNvSpPr>
+            <a:spLocks noGrp="1"/>
+          </p:cNvSpPr>
+          <p:nvPr>
+            <p:ph type="title"/>
+          </p:nvPr>
+        </p:nvSpPr>
+        <p:spPr/>
+        <p:txBody>
+          <a:bodyPr/>
+          <a:lstStyle/>
+          <a:p>
+            <a:r>
+              <a:rPr lang="en-AU" dirty="0" smtClean="0">
+                <a:effectLst>
+                  <a:reflection blurRad="6350" stA="55000" endA="300" endPos="45500" dir="5400000" sy="-100000" algn="bl" rotWithShape="0"/>
+                </a:effectLst>
+              </a:rPr>
+              <a:t>Budget</a:t>
+            </a:r>
+            <a:endParaRPr lang="en-AU" dirty="0"/>
+          </a:p>
+        </p:txBody>
+      </p:sp>
+      <p:sp>
+        <p:nvSpPr>
+          <p:cNvPr id="3" name="Slide Number Placeholder 2"/>
+          <p:cNvSpPr>
+            <a:spLocks noGrp="1"/>
+          </p:cNvSpPr>
+          <p:nvPr>
+            <p:ph type="sldNum" sz="quarter" idx="12"/>
+          </p:nvPr>
+        </p:nvSpPr>
+        <p:spPr/>
+        <p:txBody>
+          <a:bodyPr>
+            <a:normAutofit fontScale="85000" lnSpcReduction="20000"/>
+          </a:bodyPr>
+          <a:lstStyle/>
+          <a:p>
+            <a:fld id="{5AEDDE57-BFB4-403C-8AD6-39A9EF93D28E}" type="slidenum">
+              <a:rPr lang="en-AU" smtClean="0"/>
+              <a:pPr/>
+              <a:t>14</a:t>
             </a:fld>
             <a:endParaRPr lang="en-AU"/>
           </a:p>
@@ -12753,134 +12785,6 @@
 </p:sld>
 </file>
 
-<file path=ppt/slides/slide14.xml><?xml version="1.0" encoding="utf-8"?>
-<p:sld xmlns:a="http://schemas.openxmlformats.org/drawingml/2006/main" xmlns:r="http://schemas.openxmlformats.org/officeDocument/2006/relationships" xmlns:p="http://schemas.openxmlformats.org/presentationml/2006/main">
-  <p:cSld>
-    <p:spTree>
-      <p:nvGrpSpPr>
-        <p:cNvPr id="1" name=""/>
-        <p:cNvGrpSpPr/>
-        <p:nvPr/>
-      </p:nvGrpSpPr>
-      <p:grpSpPr>
-        <a:xfrm>
-          <a:off x="0" y="0"/>
-          <a:ext cx="0" cy="0"/>
-          <a:chOff x="0" y="0"/>
-          <a:chExt cx="0" cy="0"/>
-        </a:xfrm>
-      </p:grpSpPr>
-      <p:sp>
-        <p:nvSpPr>
-          <p:cNvPr id="2" name="Title 1"/>
-          <p:cNvSpPr>
-            <a:spLocks noGrp="1"/>
-          </p:cNvSpPr>
-          <p:nvPr>
-            <p:ph type="title"/>
-          </p:nvPr>
-        </p:nvSpPr>
-        <p:spPr/>
-        <p:txBody>
-          <a:bodyPr/>
-          <a:lstStyle/>
-          <a:p>
-            <a:r>
-              <a:rPr lang="en-AU" dirty="0" smtClean="0">
-                <a:effectLst>
-                  <a:reflection blurRad="6350" stA="55000" endA="300" endPos="45500" dir="5400000" sy="-100000" algn="bl" rotWithShape="0"/>
-                </a:effectLst>
-              </a:rPr>
-              <a:t>Next Semester</a:t>
-            </a:r>
-            <a:endParaRPr lang="en-AU" dirty="0"/>
-          </a:p>
-        </p:txBody>
-      </p:sp>
-      <p:sp>
-        <p:nvSpPr>
-          <p:cNvPr id="3" name="Slide Number Placeholder 2"/>
-          <p:cNvSpPr>
-            <a:spLocks noGrp="1"/>
-          </p:cNvSpPr>
-          <p:nvPr>
-            <p:ph type="sldNum" sz="quarter" idx="12"/>
-          </p:nvPr>
-        </p:nvSpPr>
-        <p:spPr/>
-        <p:txBody>
-          <a:bodyPr>
-            <a:normAutofit fontScale="85000" lnSpcReduction="20000"/>
-          </a:bodyPr>
-          <a:lstStyle/>
-          <a:p>
-            <a:fld id="{5AEDDE57-BFB4-403C-8AD6-39A9EF93D28E}" type="slidenum">
-              <a:rPr lang="en-AU" smtClean="0"/>
-              <a:pPr/>
-              <a:t>14</a:t>
-            </a:fld>
-            <a:endParaRPr lang="en-AU"/>
-          </a:p>
-        </p:txBody>
-      </p:sp>
-      <p:sp>
-        <p:nvSpPr>
-          <p:cNvPr id="4" name="Content Placeholder 3"/>
-          <p:cNvSpPr>
-            <a:spLocks noGrp="1"/>
-          </p:cNvSpPr>
-          <p:nvPr>
-            <p:ph sz="quarter" idx="1"/>
-          </p:nvPr>
-        </p:nvSpPr>
-        <p:spPr/>
-        <p:txBody>
-          <a:bodyPr/>
-          <a:lstStyle/>
-          <a:p>
-            <a:r>
-              <a:rPr lang="en-AU" dirty="0" smtClean="0"/>
-              <a:t>Integration of all sub-system components during Week 1 and 2.</a:t>
-            </a:r>
-          </a:p>
-          <a:p>
-            <a:r>
-              <a:rPr lang="en-AU" dirty="0" smtClean="0"/>
-              <a:t>Most of Semester Two will be devoted towards testing.</a:t>
-            </a:r>
-          </a:p>
-          <a:p>
-            <a:r>
-              <a:rPr lang="en-AU" dirty="0" smtClean="0"/>
-              <a:t>Utilising on-board camera to track ground target.</a:t>
-            </a:r>
-          </a:p>
-          <a:p>
-            <a:r>
-              <a:rPr lang="en-AU" dirty="0" smtClean="0"/>
-              <a:t>Purchase of secondary platform.</a:t>
-            </a:r>
-          </a:p>
-          <a:p>
-            <a:endParaRPr lang="en-AU" dirty="0"/>
-          </a:p>
-        </p:txBody>
-      </p:sp>
-    </p:spTree>
-  </p:cSld>
-  <p:clrMapOvr>
-    <a:masterClrMapping/>
-  </p:clrMapOvr>
-  <p:timing>
-    <p:tnLst>
-      <p:par>
-        <p:cTn id="1" dur="indefinite" restart="never" nodeType="tmRoot"/>
-      </p:par>
-    </p:tnLst>
-  </p:timing>
-</p:sld>
-</file>
-
 <file path=ppt/slides/slide15.xml><?xml version="1.0" encoding="utf-8"?>
 <p:sld xmlns:a="http://schemas.openxmlformats.org/drawingml/2006/main" xmlns:r="http://schemas.openxmlformats.org/officeDocument/2006/relationships" xmlns:p="http://schemas.openxmlformats.org/presentationml/2006/main">
   <p:cSld>
@@ -12905,32 +12809,60 @@
             <a:spLocks noGrp="1"/>
           </p:cNvSpPr>
           <p:nvPr>
-            <p:ph type="ctrTitle"/>
+            <p:ph type="title"/>
           </p:nvPr>
         </p:nvSpPr>
         <p:spPr/>
         <p:txBody>
-          <a:bodyPr>
-            <a:normAutofit/>
-          </a:bodyPr>
+          <a:bodyPr/>
           <a:lstStyle/>
           <a:p>
             <a:r>
-              <a:rPr lang="en-AU" dirty="0" smtClean="0"/>
-              <a:t>Testing Procedures</a:t>
-            </a:r>
-            <a:endParaRPr lang="en-US" dirty="0"/>
-          </a:p>
-        </p:txBody>
-      </p:sp>
-      <p:sp>
-        <p:nvSpPr>
-          <p:cNvPr id="3" name="Subtitle 2"/>
+              <a:rPr lang="en-AU" dirty="0" smtClean="0">
+                <a:effectLst>
+                  <a:reflection blurRad="6350" stA="55000" endA="300" endPos="45500" dir="5400000" sy="-100000" algn="bl" rotWithShape="0"/>
+                </a:effectLst>
+              </a:rPr>
+              <a:t>Next Semester</a:t>
+            </a:r>
+            <a:endParaRPr lang="en-AU" dirty="0"/>
+          </a:p>
+        </p:txBody>
+      </p:sp>
+      <p:sp>
+        <p:nvSpPr>
+          <p:cNvPr id="3" name="Slide Number Placeholder 2"/>
           <p:cNvSpPr>
             <a:spLocks noGrp="1"/>
           </p:cNvSpPr>
           <p:nvPr>
-            <p:ph type="subTitle" idx="1"/>
+            <p:ph type="sldNum" sz="quarter" idx="12"/>
+          </p:nvPr>
+        </p:nvSpPr>
+        <p:spPr/>
+        <p:txBody>
+          <a:bodyPr>
+            <a:normAutofit fontScale="85000" lnSpcReduction="20000"/>
+          </a:bodyPr>
+          <a:lstStyle/>
+          <a:p>
+            <a:fld id="{5AEDDE57-BFB4-403C-8AD6-39A9EF93D28E}" type="slidenum">
+              <a:rPr lang="en-AU" smtClean="0"/>
+              <a:pPr/>
+              <a:t>15</a:t>
+            </a:fld>
+            <a:endParaRPr lang="en-AU"/>
+          </a:p>
+        </p:txBody>
+      </p:sp>
+      <p:sp>
+        <p:nvSpPr>
+          <p:cNvPr id="4" name="Content Placeholder 3"/>
+          <p:cNvSpPr>
+            <a:spLocks noGrp="1"/>
+          </p:cNvSpPr>
+          <p:nvPr>
+            <p:ph sz="quarter" idx="1"/>
           </p:nvPr>
         </p:nvSpPr>
         <p:spPr/>
@@ -12940,9 +12872,29 @@
           <a:p>
             <a:r>
               <a:rPr lang="en-AU" dirty="0" smtClean="0"/>
-              <a:t>Michael Hamilton</a:t>
-            </a:r>
-            <a:endParaRPr lang="en-US" dirty="0"/>
+              <a:t>Integration of all sub-system components during Week 1 and 2.</a:t>
+            </a:r>
+          </a:p>
+          <a:p>
+            <a:r>
+              <a:rPr lang="en-AU" dirty="0" smtClean="0"/>
+              <a:t>Most of Semester Two will be devoted towards testing.</a:t>
+            </a:r>
+          </a:p>
+          <a:p>
+            <a:r>
+              <a:rPr lang="en-AU" dirty="0" smtClean="0"/>
+              <a:t>Utilising on-board camera to track ground target.</a:t>
+            </a:r>
+          </a:p>
+          <a:p>
+            <a:r>
+              <a:rPr lang="en-AU" dirty="0" smtClean="0"/>
+              <a:t>Purchase of secondary platform.</a:t>
+            </a:r>
+          </a:p>
+          <a:p>
+            <a:endParaRPr lang="en-AU" dirty="0"/>
           </a:p>
         </p:txBody>
       </p:sp>
@@ -12985,60 +12937,32 @@
             <a:spLocks noGrp="1"/>
           </p:cNvSpPr>
           <p:nvPr>
-            <p:ph type="title"/>
+            <p:ph type="ctrTitle"/>
           </p:nvPr>
         </p:nvSpPr>
         <p:spPr/>
         <p:txBody>
-          <a:bodyPr/>
+          <a:bodyPr>
+            <a:normAutofit/>
+          </a:bodyPr>
           <a:lstStyle/>
           <a:p>
             <a:r>
-              <a:rPr lang="en-AU" dirty="0" smtClean="0">
-                <a:effectLst>
-                  <a:reflection blurRad="6350" stA="55000" endA="300" endPos="45500" dir="5400000" sy="-100000" algn="bl" rotWithShape="0"/>
-                </a:effectLst>
-              </a:rPr>
-              <a:t>Next Semester</a:t>
-            </a:r>
-            <a:endParaRPr lang="en-AU" dirty="0"/>
-          </a:p>
-        </p:txBody>
-      </p:sp>
-      <p:sp>
-        <p:nvSpPr>
-          <p:cNvPr id="3" name="Slide Number Placeholder 2"/>
+              <a:rPr lang="en-AU" dirty="0" smtClean="0"/>
+              <a:t>Testing Procedures</a:t>
+            </a:r>
+            <a:endParaRPr lang="en-US" dirty="0"/>
+          </a:p>
+        </p:txBody>
+      </p:sp>
+      <p:sp>
+        <p:nvSpPr>
+          <p:cNvPr id="3" name="Subtitle 2"/>
           <p:cNvSpPr>
             <a:spLocks noGrp="1"/>
           </p:cNvSpPr>
           <p:nvPr>
-            <p:ph type="sldNum" sz="quarter" idx="12"/>
-          </p:nvPr>
-        </p:nvSpPr>
-        <p:spPr/>
-        <p:txBody>
-          <a:bodyPr>
-            <a:normAutofit fontScale="85000" lnSpcReduction="20000"/>
-          </a:bodyPr>
-          <a:lstStyle/>
-          <a:p>
-            <a:fld id="{5AEDDE57-BFB4-403C-8AD6-39A9EF93D28E}" type="slidenum">
-              <a:rPr lang="en-AU" smtClean="0"/>
-              <a:pPr/>
-              <a:t>16</a:t>
-            </a:fld>
-            <a:endParaRPr lang="en-AU"/>
-          </a:p>
-        </p:txBody>
-      </p:sp>
-      <p:sp>
-        <p:nvSpPr>
-          <p:cNvPr id="4" name="Content Placeholder 3"/>
-          <p:cNvSpPr>
-            <a:spLocks noGrp="1"/>
-          </p:cNvSpPr>
-          <p:nvPr>
-            <p:ph sz="quarter" idx="1"/>
+            <p:ph type="subTitle" idx="1"/>
           </p:nvPr>
         </p:nvSpPr>
         <p:spPr/>
@@ -13046,7 +12970,11 @@
           <a:bodyPr/>
           <a:lstStyle/>
           <a:p>
-            <a:endParaRPr lang="en-AU"/>
+            <a:r>
+              <a:rPr lang="en-AU" dirty="0" smtClean="0"/>
+              <a:t>Michael Hamilton</a:t>
+            </a:r>
+            <a:endParaRPr lang="en-US" dirty="0"/>
           </a:p>
         </p:txBody>
       </p:sp>
@@ -13061,6 +12989,887 @@
         <p:cTn id="1" dur="indefinite" restart="never" nodeType="tmRoot"/>
       </p:par>
     </p:tnLst>
+  </p:timing>
+</p:sld>
+</file>
+
+<file path=ppt/slides/slide17.xml><?xml version="1.0" encoding="utf-8"?>
+<p:sld xmlns:a="http://schemas.openxmlformats.org/drawingml/2006/main" xmlns:r="http://schemas.openxmlformats.org/officeDocument/2006/relationships" xmlns:p="http://schemas.openxmlformats.org/presentationml/2006/main">
+  <p:cSld>
+    <p:spTree>
+      <p:nvGrpSpPr>
+        <p:cNvPr id="1" name=""/>
+        <p:cNvGrpSpPr/>
+        <p:nvPr/>
+      </p:nvGrpSpPr>
+      <p:grpSpPr>
+        <a:xfrm>
+          <a:off x="0" y="0"/>
+          <a:ext cx="0" cy="0"/>
+          <a:chOff x="0" y="0"/>
+          <a:chExt cx="0" cy="0"/>
+        </a:xfrm>
+      </p:grpSpPr>
+      <p:sp>
+        <p:nvSpPr>
+          <p:cNvPr id="2" name="Title 1"/>
+          <p:cNvSpPr>
+            <a:spLocks noGrp="1"/>
+          </p:cNvSpPr>
+          <p:nvPr>
+            <p:ph type="title"/>
+          </p:nvPr>
+        </p:nvSpPr>
+        <p:spPr/>
+        <p:txBody>
+          <a:bodyPr/>
+          <a:lstStyle/>
+          <a:p>
+            <a:r>
+              <a:rPr lang="en-AU" dirty="0" smtClean="0">
+                <a:effectLst>
+                  <a:reflection blurRad="6350" stA="55000" endA="300" endPos="45500" dir="5400000" sy="-100000" algn="bl" rotWithShape="0"/>
+                </a:effectLst>
+              </a:rPr>
+              <a:t>Tier Testing Procedure</a:t>
+            </a:r>
+            <a:endParaRPr lang="en-AU" dirty="0"/>
+          </a:p>
+        </p:txBody>
+      </p:sp>
+      <p:sp>
+        <p:nvSpPr>
+          <p:cNvPr id="3" name="Slide Number Placeholder 2"/>
+          <p:cNvSpPr>
+            <a:spLocks noGrp="1"/>
+          </p:cNvSpPr>
+          <p:nvPr>
+            <p:ph type="sldNum" sz="quarter" idx="12"/>
+          </p:nvPr>
+        </p:nvSpPr>
+        <p:spPr/>
+        <p:txBody>
+          <a:bodyPr>
+            <a:normAutofit fontScale="85000" lnSpcReduction="20000"/>
+          </a:bodyPr>
+          <a:lstStyle/>
+          <a:p>
+            <a:fld id="{5AEDDE57-BFB4-403C-8AD6-39A9EF93D28E}" type="slidenum">
+              <a:rPr lang="en-AU" smtClean="0"/>
+              <a:pPr/>
+              <a:t>17</a:t>
+            </a:fld>
+            <a:endParaRPr lang="en-AU"/>
+          </a:p>
+        </p:txBody>
+      </p:sp>
+      <p:pic>
+        <p:nvPicPr>
+          <p:cNvPr id="34818" name="Picture 2"/>
+          <p:cNvPicPr>
+            <a:picLocks noChangeAspect="1" noChangeArrowheads="1"/>
+          </p:cNvPicPr>
+          <p:nvPr/>
+        </p:nvPicPr>
+        <p:blipFill>
+          <a:blip r:embed="rId2" cstate="print"/>
+          <a:srcRect/>
+          <a:stretch>
+            <a:fillRect/>
+          </a:stretch>
+        </p:blipFill>
+        <p:spPr bwMode="auto">
+          <a:xfrm>
+            <a:off x="3635896" y="2204864"/>
+            <a:ext cx="1895475" cy="4143375"/>
+          </a:xfrm>
+          <a:prstGeom prst="rect">
+            <a:avLst/>
+          </a:prstGeom>
+          <a:noFill/>
+          <a:ln w="9525">
+            <a:noFill/>
+            <a:miter lim="800000"/>
+            <a:headEnd/>
+            <a:tailEnd/>
+          </a:ln>
+        </p:spPr>
+      </p:pic>
+      <p:pic>
+        <p:nvPicPr>
+          <p:cNvPr id="6" name="Picture 5" descr="C:\Users\Michael\AppData\Local\Temp\VMwareDnD\042435e2\Test Rig 1.jpg"/>
+          <p:cNvPicPr/>
+          <p:nvPr/>
+        </p:nvPicPr>
+        <p:blipFill>
+          <a:blip r:embed="rId3" cstate="print"/>
+          <a:srcRect/>
+          <a:stretch>
+            <a:fillRect/>
+          </a:stretch>
+        </p:blipFill>
+        <p:spPr bwMode="auto">
+          <a:xfrm>
+            <a:off x="323528" y="2564904"/>
+            <a:ext cx="3164594" cy="2457450"/>
+          </a:xfrm>
+          <a:prstGeom prst="rect">
+            <a:avLst/>
+          </a:prstGeom>
+          <a:noFill/>
+          <a:ln w="9525">
+            <a:noFill/>
+            <a:miter lim="800000"/>
+            <a:headEnd/>
+            <a:tailEnd/>
+          </a:ln>
+        </p:spPr>
+      </p:pic>
+      <p:sp>
+        <p:nvSpPr>
+          <p:cNvPr id="7" name="Rounded Rectangle 6"/>
+          <p:cNvSpPr/>
+          <p:nvPr/>
+        </p:nvSpPr>
+        <p:spPr>
+          <a:xfrm>
+            <a:off x="3563888" y="2132856"/>
+            <a:ext cx="2088232" cy="720080"/>
+          </a:xfrm>
+          <a:prstGeom prst="roundRect">
+            <a:avLst/>
+          </a:prstGeom>
+          <a:solidFill>
+            <a:schemeClr val="accent2">
+              <a:alpha val="58000"/>
+            </a:schemeClr>
+          </a:solidFill>
+        </p:spPr>
+        <p:style>
+          <a:lnRef idx="2">
+            <a:schemeClr val="accent2">
+              <a:shade val="50000"/>
+            </a:schemeClr>
+          </a:lnRef>
+          <a:fillRef idx="1">
+            <a:schemeClr val="accent2"/>
+          </a:fillRef>
+          <a:effectRef idx="0">
+            <a:schemeClr val="accent2"/>
+          </a:effectRef>
+          <a:fontRef idx="minor">
+            <a:schemeClr val="lt1"/>
+          </a:fontRef>
+        </p:style>
+        <p:txBody>
+          <a:bodyPr rtlCol="0" anchor="ctr"/>
+          <a:lstStyle/>
+          <a:p>
+            <a:pPr algn="ctr"/>
+            <a:endParaRPr lang="en-AU"/>
+          </a:p>
+        </p:txBody>
+      </p:sp>
+      <p:sp>
+        <p:nvSpPr>
+          <p:cNvPr id="8" name="Rounded Rectangle 7"/>
+          <p:cNvSpPr/>
+          <p:nvPr/>
+        </p:nvSpPr>
+        <p:spPr>
+          <a:xfrm>
+            <a:off x="3563888" y="2996952"/>
+            <a:ext cx="2088232" cy="720080"/>
+          </a:xfrm>
+          <a:prstGeom prst="roundRect">
+            <a:avLst/>
+          </a:prstGeom>
+          <a:solidFill>
+            <a:schemeClr val="accent2">
+              <a:alpha val="58000"/>
+            </a:schemeClr>
+          </a:solidFill>
+        </p:spPr>
+        <p:style>
+          <a:lnRef idx="2">
+            <a:schemeClr val="accent2">
+              <a:shade val="50000"/>
+            </a:schemeClr>
+          </a:lnRef>
+          <a:fillRef idx="1">
+            <a:schemeClr val="accent2"/>
+          </a:fillRef>
+          <a:effectRef idx="0">
+            <a:schemeClr val="accent2"/>
+          </a:effectRef>
+          <a:fontRef idx="minor">
+            <a:schemeClr val="lt1"/>
+          </a:fontRef>
+        </p:style>
+        <p:txBody>
+          <a:bodyPr rtlCol="0" anchor="ctr"/>
+          <a:lstStyle/>
+          <a:p>
+            <a:pPr algn="ctr"/>
+            <a:endParaRPr lang="en-AU"/>
+          </a:p>
+        </p:txBody>
+      </p:sp>
+      <p:sp>
+        <p:nvSpPr>
+          <p:cNvPr id="9" name="Rounded Rectangle 8"/>
+          <p:cNvSpPr/>
+          <p:nvPr/>
+        </p:nvSpPr>
+        <p:spPr>
+          <a:xfrm>
+            <a:off x="3563888" y="3861048"/>
+            <a:ext cx="2088232" cy="720080"/>
+          </a:xfrm>
+          <a:prstGeom prst="roundRect">
+            <a:avLst/>
+          </a:prstGeom>
+          <a:solidFill>
+            <a:schemeClr val="accent2">
+              <a:alpha val="58000"/>
+            </a:schemeClr>
+          </a:solidFill>
+        </p:spPr>
+        <p:style>
+          <a:lnRef idx="2">
+            <a:schemeClr val="accent2">
+              <a:shade val="50000"/>
+            </a:schemeClr>
+          </a:lnRef>
+          <a:fillRef idx="1">
+            <a:schemeClr val="accent2"/>
+          </a:fillRef>
+          <a:effectRef idx="0">
+            <a:schemeClr val="accent2"/>
+          </a:effectRef>
+          <a:fontRef idx="minor">
+            <a:schemeClr val="lt1"/>
+          </a:fontRef>
+        </p:style>
+        <p:txBody>
+          <a:bodyPr rtlCol="0" anchor="ctr"/>
+          <a:lstStyle/>
+          <a:p>
+            <a:pPr algn="ctr"/>
+            <a:endParaRPr lang="en-AU"/>
+          </a:p>
+        </p:txBody>
+      </p:sp>
+      <p:sp>
+        <p:nvSpPr>
+          <p:cNvPr id="10" name="Rounded Rectangle 9"/>
+          <p:cNvSpPr/>
+          <p:nvPr/>
+        </p:nvSpPr>
+        <p:spPr>
+          <a:xfrm>
+            <a:off x="3563888" y="4797152"/>
+            <a:ext cx="2088232" cy="720080"/>
+          </a:xfrm>
+          <a:prstGeom prst="roundRect">
+            <a:avLst/>
+          </a:prstGeom>
+          <a:solidFill>
+            <a:schemeClr val="accent2">
+              <a:alpha val="58000"/>
+            </a:schemeClr>
+          </a:solidFill>
+        </p:spPr>
+        <p:style>
+          <a:lnRef idx="2">
+            <a:schemeClr val="accent2">
+              <a:shade val="50000"/>
+            </a:schemeClr>
+          </a:lnRef>
+          <a:fillRef idx="1">
+            <a:schemeClr val="accent2"/>
+          </a:fillRef>
+          <a:effectRef idx="0">
+            <a:schemeClr val="accent2"/>
+          </a:effectRef>
+          <a:fontRef idx="minor">
+            <a:schemeClr val="lt1"/>
+          </a:fontRef>
+        </p:style>
+        <p:txBody>
+          <a:bodyPr rtlCol="0" anchor="ctr"/>
+          <a:lstStyle/>
+          <a:p>
+            <a:pPr algn="ctr"/>
+            <a:endParaRPr lang="en-AU"/>
+          </a:p>
+        </p:txBody>
+      </p:sp>
+      <p:sp>
+        <p:nvSpPr>
+          <p:cNvPr id="11" name="Rounded Rectangle 10"/>
+          <p:cNvSpPr/>
+          <p:nvPr/>
+        </p:nvSpPr>
+        <p:spPr>
+          <a:xfrm>
+            <a:off x="3563888" y="5733256"/>
+            <a:ext cx="2088232" cy="720080"/>
+          </a:xfrm>
+          <a:prstGeom prst="roundRect">
+            <a:avLst/>
+          </a:prstGeom>
+          <a:solidFill>
+            <a:schemeClr val="accent2">
+              <a:alpha val="58000"/>
+            </a:schemeClr>
+          </a:solidFill>
+        </p:spPr>
+        <p:style>
+          <a:lnRef idx="2">
+            <a:schemeClr val="accent2">
+              <a:shade val="50000"/>
+            </a:schemeClr>
+          </a:lnRef>
+          <a:fillRef idx="1">
+            <a:schemeClr val="accent2"/>
+          </a:fillRef>
+          <a:effectRef idx="0">
+            <a:schemeClr val="accent2"/>
+          </a:effectRef>
+          <a:fontRef idx="minor">
+            <a:schemeClr val="lt1"/>
+          </a:fontRef>
+        </p:style>
+        <p:txBody>
+          <a:bodyPr rtlCol="0" anchor="ctr"/>
+          <a:lstStyle/>
+          <a:p>
+            <a:pPr algn="ctr"/>
+            <a:endParaRPr lang="en-AU"/>
+          </a:p>
+        </p:txBody>
+      </p:sp>
+    </p:spTree>
+  </p:cSld>
+  <p:clrMapOvr>
+    <a:masterClrMapping/>
+  </p:clrMapOvr>
+  <p:timing>
+    <p:tnLst>
+      <p:par>
+        <p:cTn id="1" dur="indefinite" restart="never" nodeType="tmRoot">
+          <p:childTnLst>
+            <p:seq concurrent="1" nextAc="seek">
+              <p:cTn id="2" dur="indefinite" nodeType="mainSeq">
+                <p:childTnLst>
+                  <p:par>
+                    <p:cTn id="3" fill="hold">
+                      <p:stCondLst>
+                        <p:cond delay="indefinite"/>
+                      </p:stCondLst>
+                      <p:childTnLst>
+                        <p:par>
+                          <p:cTn id="4" fill="hold">
+                            <p:stCondLst>
+                              <p:cond delay="0"/>
+                            </p:stCondLst>
+                            <p:childTnLst>
+                              <p:par>
+                                <p:cTn id="5" presetID="10" presetClass="entr" presetSubtype="0" fill="hold" grpId="0" nodeType="clickEffect">
+                                  <p:stCondLst>
+                                    <p:cond delay="0"/>
+                                  </p:stCondLst>
+                                  <p:childTnLst>
+                                    <p:set>
+                                      <p:cBhvr>
+                                        <p:cTn id="6" dur="1" fill="hold">
+                                          <p:stCondLst>
+                                            <p:cond delay="0"/>
+                                          </p:stCondLst>
+                                        </p:cTn>
+                                        <p:tgtEl>
+                                          <p:spTgt spid="7"/>
+                                        </p:tgtEl>
+                                        <p:attrNameLst>
+                                          <p:attrName>style.visibility</p:attrName>
+                                        </p:attrNameLst>
+                                      </p:cBhvr>
+                                      <p:to>
+                                        <p:strVal val="visible"/>
+                                      </p:to>
+                                    </p:set>
+                                    <p:animEffect transition="in" filter="fade">
+                                      <p:cBhvr>
+                                        <p:cTn id="7" dur="1000"/>
+                                        <p:tgtEl>
+                                          <p:spTgt spid="7"/>
+                                        </p:tgtEl>
+                                      </p:cBhvr>
+                                    </p:animEffect>
+                                  </p:childTnLst>
+                                </p:cTn>
+                              </p:par>
+                            </p:childTnLst>
+                          </p:cTn>
+                        </p:par>
+                      </p:childTnLst>
+                    </p:cTn>
+                  </p:par>
+                  <p:par>
+                    <p:cTn id="8" fill="hold">
+                      <p:stCondLst>
+                        <p:cond delay="indefinite"/>
+                      </p:stCondLst>
+                      <p:childTnLst>
+                        <p:par>
+                          <p:cTn id="9" fill="hold">
+                            <p:stCondLst>
+                              <p:cond delay="0"/>
+                            </p:stCondLst>
+                            <p:childTnLst>
+                              <p:par>
+                                <p:cTn id="10" presetID="10" presetClass="exit" presetSubtype="0" fill="hold" grpId="1" nodeType="clickEffect">
+                                  <p:stCondLst>
+                                    <p:cond delay="0"/>
+                                  </p:stCondLst>
+                                  <p:childTnLst>
+                                    <p:animEffect transition="out" filter="fade">
+                                      <p:cBhvr>
+                                        <p:cTn id="11" dur="1000"/>
+                                        <p:tgtEl>
+                                          <p:spTgt spid="7"/>
+                                        </p:tgtEl>
+                                      </p:cBhvr>
+                                    </p:animEffect>
+                                    <p:set>
+                                      <p:cBhvr>
+                                        <p:cTn id="12" dur="1" fill="hold">
+                                          <p:stCondLst>
+                                            <p:cond delay="999"/>
+                                          </p:stCondLst>
+                                        </p:cTn>
+                                        <p:tgtEl>
+                                          <p:spTgt spid="7"/>
+                                        </p:tgtEl>
+                                        <p:attrNameLst>
+                                          <p:attrName>style.visibility</p:attrName>
+                                        </p:attrNameLst>
+                                      </p:cBhvr>
+                                      <p:to>
+                                        <p:strVal val="hidden"/>
+                                      </p:to>
+                                    </p:set>
+                                  </p:childTnLst>
+                                </p:cTn>
+                              </p:par>
+                              <p:par>
+                                <p:cTn id="13" presetID="10" presetClass="entr" presetSubtype="0" fill="hold" grpId="0" nodeType="withEffect">
+                                  <p:stCondLst>
+                                    <p:cond delay="0"/>
+                                  </p:stCondLst>
+                                  <p:childTnLst>
+                                    <p:set>
+                                      <p:cBhvr>
+                                        <p:cTn id="14" dur="1" fill="hold">
+                                          <p:stCondLst>
+                                            <p:cond delay="0"/>
+                                          </p:stCondLst>
+                                        </p:cTn>
+                                        <p:tgtEl>
+                                          <p:spTgt spid="8"/>
+                                        </p:tgtEl>
+                                        <p:attrNameLst>
+                                          <p:attrName>style.visibility</p:attrName>
+                                        </p:attrNameLst>
+                                      </p:cBhvr>
+                                      <p:to>
+                                        <p:strVal val="visible"/>
+                                      </p:to>
+                                    </p:set>
+                                    <p:animEffect transition="in" filter="fade">
+                                      <p:cBhvr>
+                                        <p:cTn id="15" dur="1000"/>
+                                        <p:tgtEl>
+                                          <p:spTgt spid="8"/>
+                                        </p:tgtEl>
+                                      </p:cBhvr>
+                                    </p:animEffect>
+                                  </p:childTnLst>
+                                </p:cTn>
+                              </p:par>
+                            </p:childTnLst>
+                          </p:cTn>
+                        </p:par>
+                      </p:childTnLst>
+                    </p:cTn>
+                  </p:par>
+                  <p:par>
+                    <p:cTn id="16" fill="hold">
+                      <p:stCondLst>
+                        <p:cond delay="indefinite"/>
+                      </p:stCondLst>
+                      <p:childTnLst>
+                        <p:par>
+                          <p:cTn id="17" fill="hold">
+                            <p:stCondLst>
+                              <p:cond delay="0"/>
+                            </p:stCondLst>
+                            <p:childTnLst>
+                              <p:par>
+                                <p:cTn id="18" presetID="10" presetClass="exit" presetSubtype="0" fill="hold" grpId="1" nodeType="clickEffect">
+                                  <p:stCondLst>
+                                    <p:cond delay="0"/>
+                                  </p:stCondLst>
+                                  <p:childTnLst>
+                                    <p:animEffect transition="out" filter="fade">
+                                      <p:cBhvr>
+                                        <p:cTn id="19" dur="1000"/>
+                                        <p:tgtEl>
+                                          <p:spTgt spid="8"/>
+                                        </p:tgtEl>
+                                      </p:cBhvr>
+                                    </p:animEffect>
+                                    <p:set>
+                                      <p:cBhvr>
+                                        <p:cTn id="20" dur="1" fill="hold">
+                                          <p:stCondLst>
+                                            <p:cond delay="999"/>
+                                          </p:stCondLst>
+                                        </p:cTn>
+                                        <p:tgtEl>
+                                          <p:spTgt spid="8"/>
+                                        </p:tgtEl>
+                                        <p:attrNameLst>
+                                          <p:attrName>style.visibility</p:attrName>
+                                        </p:attrNameLst>
+                                      </p:cBhvr>
+                                      <p:to>
+                                        <p:strVal val="hidden"/>
+                                      </p:to>
+                                    </p:set>
+                                  </p:childTnLst>
+                                </p:cTn>
+                              </p:par>
+                              <p:par>
+                                <p:cTn id="21" presetID="10" presetClass="entr" presetSubtype="0" fill="hold" grpId="0" nodeType="withEffect">
+                                  <p:stCondLst>
+                                    <p:cond delay="0"/>
+                                  </p:stCondLst>
+                                  <p:childTnLst>
+                                    <p:set>
+                                      <p:cBhvr>
+                                        <p:cTn id="22" dur="1" fill="hold">
+                                          <p:stCondLst>
+                                            <p:cond delay="0"/>
+                                          </p:stCondLst>
+                                        </p:cTn>
+                                        <p:tgtEl>
+                                          <p:spTgt spid="9"/>
+                                        </p:tgtEl>
+                                        <p:attrNameLst>
+                                          <p:attrName>style.visibility</p:attrName>
+                                        </p:attrNameLst>
+                                      </p:cBhvr>
+                                      <p:to>
+                                        <p:strVal val="visible"/>
+                                      </p:to>
+                                    </p:set>
+                                    <p:animEffect transition="in" filter="fade">
+                                      <p:cBhvr>
+                                        <p:cTn id="23" dur="1000"/>
+                                        <p:tgtEl>
+                                          <p:spTgt spid="9"/>
+                                        </p:tgtEl>
+                                      </p:cBhvr>
+                                    </p:animEffect>
+                                  </p:childTnLst>
+                                </p:cTn>
+                              </p:par>
+                              <p:par>
+                                <p:cTn id="24" presetID="10" presetClass="entr" presetSubtype="0" fill="hold" nodeType="withEffect">
+                                  <p:stCondLst>
+                                    <p:cond delay="0"/>
+                                  </p:stCondLst>
+                                  <p:childTnLst>
+                                    <p:set>
+                                      <p:cBhvr>
+                                        <p:cTn id="25" dur="1" fill="hold">
+                                          <p:stCondLst>
+                                            <p:cond delay="0"/>
+                                          </p:stCondLst>
+                                        </p:cTn>
+                                        <p:tgtEl>
+                                          <p:spTgt spid="6"/>
+                                        </p:tgtEl>
+                                        <p:attrNameLst>
+                                          <p:attrName>style.visibility</p:attrName>
+                                        </p:attrNameLst>
+                                      </p:cBhvr>
+                                      <p:to>
+                                        <p:strVal val="visible"/>
+                                      </p:to>
+                                    </p:set>
+                                    <p:animEffect transition="in" filter="fade">
+                                      <p:cBhvr>
+                                        <p:cTn id="26" dur="1000"/>
+                                        <p:tgtEl>
+                                          <p:spTgt spid="6"/>
+                                        </p:tgtEl>
+                                      </p:cBhvr>
+                                    </p:animEffect>
+                                  </p:childTnLst>
+                                </p:cTn>
+                              </p:par>
+                            </p:childTnLst>
+                          </p:cTn>
+                        </p:par>
+                      </p:childTnLst>
+                    </p:cTn>
+                  </p:par>
+                  <p:par>
+                    <p:cTn id="27" fill="hold">
+                      <p:stCondLst>
+                        <p:cond delay="indefinite"/>
+                      </p:stCondLst>
+                      <p:childTnLst>
+                        <p:par>
+                          <p:cTn id="28" fill="hold">
+                            <p:stCondLst>
+                              <p:cond delay="0"/>
+                            </p:stCondLst>
+                            <p:childTnLst>
+                              <p:par>
+                                <p:cTn id="29" presetID="10" presetClass="exit" presetSubtype="0" fill="hold" nodeType="clickEffect">
+                                  <p:stCondLst>
+                                    <p:cond delay="0"/>
+                                  </p:stCondLst>
+                                  <p:childTnLst>
+                                    <p:animEffect transition="out" filter="fade">
+                                      <p:cBhvr>
+                                        <p:cTn id="30" dur="1000"/>
+                                        <p:tgtEl>
+                                          <p:spTgt spid="6"/>
+                                        </p:tgtEl>
+                                      </p:cBhvr>
+                                    </p:animEffect>
+                                    <p:set>
+                                      <p:cBhvr>
+                                        <p:cTn id="31" dur="1" fill="hold">
+                                          <p:stCondLst>
+                                            <p:cond delay="999"/>
+                                          </p:stCondLst>
+                                        </p:cTn>
+                                        <p:tgtEl>
+                                          <p:spTgt spid="6"/>
+                                        </p:tgtEl>
+                                        <p:attrNameLst>
+                                          <p:attrName>style.visibility</p:attrName>
+                                        </p:attrNameLst>
+                                      </p:cBhvr>
+                                      <p:to>
+                                        <p:strVal val="hidden"/>
+                                      </p:to>
+                                    </p:set>
+                                  </p:childTnLst>
+                                </p:cTn>
+                              </p:par>
+                              <p:par>
+                                <p:cTn id="32" presetID="10" presetClass="exit" presetSubtype="0" fill="hold" grpId="1" nodeType="withEffect">
+                                  <p:stCondLst>
+                                    <p:cond delay="0"/>
+                                  </p:stCondLst>
+                                  <p:childTnLst>
+                                    <p:animEffect transition="out" filter="fade">
+                                      <p:cBhvr>
+                                        <p:cTn id="33" dur="1000"/>
+                                        <p:tgtEl>
+                                          <p:spTgt spid="9"/>
+                                        </p:tgtEl>
+                                      </p:cBhvr>
+                                    </p:animEffect>
+                                    <p:set>
+                                      <p:cBhvr>
+                                        <p:cTn id="34" dur="1" fill="hold">
+                                          <p:stCondLst>
+                                            <p:cond delay="999"/>
+                                          </p:stCondLst>
+                                        </p:cTn>
+                                        <p:tgtEl>
+                                          <p:spTgt spid="9"/>
+                                        </p:tgtEl>
+                                        <p:attrNameLst>
+                                          <p:attrName>style.visibility</p:attrName>
+                                        </p:attrNameLst>
+                                      </p:cBhvr>
+                                      <p:to>
+                                        <p:strVal val="hidden"/>
+                                      </p:to>
+                                    </p:set>
+                                  </p:childTnLst>
+                                </p:cTn>
+                              </p:par>
+                              <p:par>
+                                <p:cTn id="35" presetID="10" presetClass="entr" presetSubtype="0" fill="hold" grpId="0" nodeType="withEffect">
+                                  <p:stCondLst>
+                                    <p:cond delay="0"/>
+                                  </p:stCondLst>
+                                  <p:childTnLst>
+                                    <p:set>
+                                      <p:cBhvr>
+                                        <p:cTn id="36" dur="1" fill="hold">
+                                          <p:stCondLst>
+                                            <p:cond delay="0"/>
+                                          </p:stCondLst>
+                                        </p:cTn>
+                                        <p:tgtEl>
+                                          <p:spTgt spid="10"/>
+                                        </p:tgtEl>
+                                        <p:attrNameLst>
+                                          <p:attrName>style.visibility</p:attrName>
+                                        </p:attrNameLst>
+                                      </p:cBhvr>
+                                      <p:to>
+                                        <p:strVal val="visible"/>
+                                      </p:to>
+                                    </p:set>
+                                    <p:animEffect transition="in" filter="fade">
+                                      <p:cBhvr>
+                                        <p:cTn id="37" dur="1000"/>
+                                        <p:tgtEl>
+                                          <p:spTgt spid="10"/>
+                                        </p:tgtEl>
+                                      </p:cBhvr>
+                                    </p:animEffect>
+                                  </p:childTnLst>
+                                </p:cTn>
+                              </p:par>
+                            </p:childTnLst>
+                          </p:cTn>
+                        </p:par>
+                      </p:childTnLst>
+                    </p:cTn>
+                  </p:par>
+                  <p:par>
+                    <p:cTn id="38" fill="hold">
+                      <p:stCondLst>
+                        <p:cond delay="indefinite"/>
+                      </p:stCondLst>
+                      <p:childTnLst>
+                        <p:par>
+                          <p:cTn id="39" fill="hold">
+                            <p:stCondLst>
+                              <p:cond delay="0"/>
+                            </p:stCondLst>
+                            <p:childTnLst>
+                              <p:par>
+                                <p:cTn id="40" presetID="10" presetClass="exit" presetSubtype="0" fill="hold" grpId="1" nodeType="clickEffect">
+                                  <p:stCondLst>
+                                    <p:cond delay="0"/>
+                                  </p:stCondLst>
+                                  <p:childTnLst>
+                                    <p:animEffect transition="out" filter="fade">
+                                      <p:cBhvr>
+                                        <p:cTn id="41" dur="1000"/>
+                                        <p:tgtEl>
+                                          <p:spTgt spid="10"/>
+                                        </p:tgtEl>
+                                      </p:cBhvr>
+                                    </p:animEffect>
+                                    <p:set>
+                                      <p:cBhvr>
+                                        <p:cTn id="42" dur="1" fill="hold">
+                                          <p:stCondLst>
+                                            <p:cond delay="999"/>
+                                          </p:stCondLst>
+                                        </p:cTn>
+                                        <p:tgtEl>
+                                          <p:spTgt spid="10"/>
+                                        </p:tgtEl>
+                                        <p:attrNameLst>
+                                          <p:attrName>style.visibility</p:attrName>
+                                        </p:attrNameLst>
+                                      </p:cBhvr>
+                                      <p:to>
+                                        <p:strVal val="hidden"/>
+                                      </p:to>
+                                    </p:set>
+                                  </p:childTnLst>
+                                </p:cTn>
+                              </p:par>
+                              <p:par>
+                                <p:cTn id="43" presetID="10" presetClass="entr" presetSubtype="0" fill="hold" grpId="0" nodeType="withEffect">
+                                  <p:stCondLst>
+                                    <p:cond delay="0"/>
+                                  </p:stCondLst>
+                                  <p:childTnLst>
+                                    <p:set>
+                                      <p:cBhvr>
+                                        <p:cTn id="44" dur="1" fill="hold">
+                                          <p:stCondLst>
+                                            <p:cond delay="0"/>
+                                          </p:stCondLst>
+                                        </p:cTn>
+                                        <p:tgtEl>
+                                          <p:spTgt spid="11"/>
+                                        </p:tgtEl>
+                                        <p:attrNameLst>
+                                          <p:attrName>style.visibility</p:attrName>
+                                        </p:attrNameLst>
+                                      </p:cBhvr>
+                                      <p:to>
+                                        <p:strVal val="visible"/>
+                                      </p:to>
+                                    </p:set>
+                                    <p:animEffect transition="in" filter="fade">
+                                      <p:cBhvr>
+                                        <p:cTn id="45" dur="1000"/>
+                                        <p:tgtEl>
+                                          <p:spTgt spid="11"/>
+                                        </p:tgtEl>
+                                      </p:cBhvr>
+                                    </p:animEffect>
+                                  </p:childTnLst>
+                                </p:cTn>
+                              </p:par>
+                            </p:childTnLst>
+                          </p:cTn>
+                        </p:par>
+                      </p:childTnLst>
+                    </p:cTn>
+                  </p:par>
+                </p:childTnLst>
+              </p:cTn>
+              <p:prevCondLst>
+                <p:cond evt="onPrev" delay="0">
+                  <p:tgtEl>
+                    <p:sldTgt/>
+                  </p:tgtEl>
+                </p:cond>
+              </p:prevCondLst>
+              <p:nextCondLst>
+                <p:cond evt="onNext" delay="0">
+                  <p:tgtEl>
+                    <p:sldTgt/>
+                  </p:tgtEl>
+                </p:cond>
+              </p:nextCondLst>
+            </p:seq>
+          </p:childTnLst>
+        </p:cTn>
+      </p:par>
+    </p:tnLst>
+    <p:bldLst>
+      <p:bldP spid="7" grpId="0" animBg="1"/>
+      <p:bldP spid="7" grpId="1" animBg="1"/>
+      <p:bldP spid="8" grpId="0" animBg="1"/>
+      <p:bldP spid="8" grpId="1" animBg="1"/>
+      <p:bldP spid="9" grpId="0" animBg="1"/>
+      <p:bldP spid="9" grpId="1" animBg="1"/>
+      <p:bldP spid="10" grpId="0" animBg="1"/>
+      <p:bldP spid="10" grpId="1" animBg="1"/>
+      <p:bldP spid="11" grpId="0" animBg="1"/>
+    </p:bldLst>
   </p:timing>
 </p:sld>
 </file>
@@ -13137,17 +13946,8 @@
           <a:p>
             <a:r>
               <a:rPr lang="en-AU" dirty="0" smtClean="0"/>
-              <a:t>The Autonomous Helicopter Navigation System 2010 </a:t>
-            </a:r>
-            <a:r>
-              <a:rPr lang="en-AU" dirty="0" smtClean="0"/>
-              <a:t>is focused </a:t>
-            </a:r>
-            <a:r>
-              <a:rPr lang="en-AU" dirty="0" smtClean="0"/>
-              <a:t>on developing a helicopter system capable of autonomous control, navigation and localising within a GPS denied environment. </a:t>
-            </a:r>
-            <a:endParaRPr lang="en-AU" dirty="0" smtClean="0"/>
+              <a:t>The Autonomous Helicopter Navigation System 2010 is focused on developing a helicopter system capable of autonomous control, navigation and localising within a GPS denied environment. </a:t>
+            </a:r>
           </a:p>
           <a:p>
             <a:endParaRPr lang="en-AU" dirty="0" smtClean="0"/>
@@ -14514,7 +15314,7 @@
                         </a:spcAft>
                       </a:pPr>
                       <a:r>
-                        <a:rPr lang="en-AU" sz="1200">
+                        <a:rPr lang="en-AU" sz="1200" dirty="0">
                           <a:latin typeface="Times New Roman"/>
                           <a:ea typeface="PMingLiU"/>
                         </a:rPr>

--- a/docproject/official_ahns/presentations/Hamilton_semester1.pptx
+++ b/docproject/official_ahns/presentations/Hamilton_semester1.pptx
@@ -5,7 +5,7 @@
     <p:sldMasterId id="2147483660" r:id="rId1"/>
   </p:sldMasterIdLst>
   <p:notesMasterIdLst>
-    <p:notesMasterId r:id="rId19"/>
+    <p:notesMasterId r:id="rId20"/>
   </p:notesMasterIdLst>
   <p:sldIdLst>
     <p:sldId id="380" r:id="rId2"/>
@@ -22,9 +22,10 @@
     <p:sldId id="393" r:id="rId13"/>
     <p:sldId id="399" r:id="rId14"/>
     <p:sldId id="394" r:id="rId15"/>
-    <p:sldId id="395" r:id="rId16"/>
-    <p:sldId id="396" r:id="rId17"/>
-    <p:sldId id="398" r:id="rId18"/>
+    <p:sldId id="400" r:id="rId16"/>
+    <p:sldId id="395" r:id="rId17"/>
+    <p:sldId id="396" r:id="rId18"/>
+    <p:sldId id="398" r:id="rId19"/>
   </p:sldIdLst>
   <p:sldSz cx="9144000" cy="6858000" type="screen4x3"/>
   <p:notesSz cx="6858000" cy="9144000"/>
@@ -1035,7 +1036,7 @@
             <a:fld id="{564FCFA0-726F-477B-BEA1-4EBA104729ED}" type="slidenum">
               <a:rPr lang="en-AU" smtClean="0"/>
               <a:pPr/>
-              <a:t>16</a:t>
+              <a:t>17</a:t>
             </a:fld>
             <a:endParaRPr lang="en-AU"/>
           </a:p>
@@ -9716,7 +9717,7 @@
         </p:nvCxnSpPr>
         <p:spPr>
           <a:xfrm rot="5400000">
-            <a:off x="4031940" y="4401108"/>
+            <a:off x="1583668" y="4401108"/>
             <a:ext cx="4536504" cy="0"/>
           </a:xfrm>
           <a:prstGeom prst="line">
@@ -9743,6 +9744,54 @@
           </a:fontRef>
         </p:style>
       </p:cxnSp>
+      <p:sp>
+        <p:nvSpPr>
+          <p:cNvPr id="10" name="Rectangle 9"/>
+          <p:cNvSpPr/>
+          <p:nvPr/>
+        </p:nvSpPr>
+        <p:spPr>
+          <a:xfrm>
+            <a:off x="3851920" y="2132856"/>
+            <a:ext cx="2376264" cy="4536504"/>
+          </a:xfrm>
+          <a:prstGeom prst="rect">
+            <a:avLst/>
+          </a:prstGeom>
+          <a:solidFill>
+            <a:srgbClr val="FF0000">
+              <a:alpha val="33000"/>
+            </a:srgbClr>
+          </a:solidFill>
+          <a:ln>
+            <a:noFill/>
+          </a:ln>
+        </p:spPr>
+        <p:style>
+          <a:lnRef idx="2">
+            <a:schemeClr val="accent1">
+              <a:shade val="50000"/>
+            </a:schemeClr>
+          </a:lnRef>
+          <a:fillRef idx="1">
+            <a:schemeClr val="accent1"/>
+          </a:fillRef>
+          <a:effectRef idx="0">
+            <a:schemeClr val="accent1"/>
+          </a:effectRef>
+          <a:fontRef idx="minor">
+            <a:schemeClr val="lt1"/>
+          </a:fontRef>
+        </p:style>
+        <p:txBody>
+          <a:bodyPr rtlCol="0" anchor="ctr"/>
+          <a:lstStyle/>
+          <a:p>
+            <a:pPr algn="ctr"/>
+            <a:endParaRPr lang="en-AU"/>
+          </a:p>
+        </p:txBody>
+      </p:sp>
     </p:spTree>
   </p:cSld>
   <p:clrMapOvr>
@@ -9751,9 +9800,155 @@
   <p:timing>
     <p:tnLst>
       <p:par>
-        <p:cTn id="1" dur="indefinite" restart="never" nodeType="tmRoot"/>
+        <p:cTn id="1" dur="indefinite" restart="never" nodeType="tmRoot">
+          <p:childTnLst>
+            <p:seq concurrent="1" nextAc="seek">
+              <p:cTn id="2" dur="indefinite" nodeType="mainSeq">
+                <p:childTnLst>
+                  <p:par>
+                    <p:cTn id="3" fill="hold">
+                      <p:stCondLst>
+                        <p:cond delay="indefinite"/>
+                      </p:stCondLst>
+                      <p:childTnLst>
+                        <p:par>
+                          <p:cTn id="4" fill="hold">
+                            <p:stCondLst>
+                              <p:cond delay="0"/>
+                            </p:stCondLst>
+                            <p:childTnLst>
+                              <p:par>
+                                <p:cTn id="5" presetID="1" presetClass="entr" presetSubtype="0" fill="hold" nodeType="clickEffect">
+                                  <p:stCondLst>
+                                    <p:cond delay="0"/>
+                                  </p:stCondLst>
+                                  <p:childTnLst>
+                                    <p:set>
+                                      <p:cBhvr>
+                                        <p:cTn id="6" dur="1" fill="hold">
+                                          <p:stCondLst>
+                                            <p:cond delay="0"/>
+                                          </p:stCondLst>
+                                        </p:cTn>
+                                        <p:tgtEl>
+                                          <p:spTgt spid="7"/>
+                                        </p:tgtEl>
+                                        <p:attrNameLst>
+                                          <p:attrName>style.visibility</p:attrName>
+                                        </p:attrNameLst>
+                                      </p:cBhvr>
+                                      <p:to>
+                                        <p:strVal val="visible"/>
+                                      </p:to>
+                                    </p:set>
+                                  </p:childTnLst>
+                                </p:cTn>
+                              </p:par>
+                            </p:childTnLst>
+                          </p:cTn>
+                        </p:par>
+                        <p:par>
+                          <p:cTn id="7" fill="hold">
+                            <p:stCondLst>
+                              <p:cond delay="0"/>
+                            </p:stCondLst>
+                            <p:childTnLst>
+                              <p:par>
+                                <p:cTn id="8" presetID="63" presetClass="path" presetSubtype="0" accel="50000" decel="50000" fill="hold" nodeType="afterEffect">
+                                  <p:stCondLst>
+                                    <p:cond delay="500"/>
+                                  </p:stCondLst>
+                                  <p:childTnLst>
+                                    <p:animMotion origin="layout" path="M -5.55556E-7 1.83291E-6 L 0.2599 0.00532 " pathEditMode="relative" rAng="0" ptsTypes="AA">
+                                      <p:cBhvr>
+                                        <p:cTn id="9" dur="3000" fill="hold"/>
+                                        <p:tgtEl>
+                                          <p:spTgt spid="7"/>
+                                        </p:tgtEl>
+                                        <p:attrNameLst>
+                                          <p:attrName>ppt_x</p:attrName>
+                                          <p:attrName>ppt_y</p:attrName>
+                                        </p:attrNameLst>
+                                      </p:cBhvr>
+                                      <p:rCtr x="130" y="3"/>
+                                    </p:animMotion>
+                                  </p:childTnLst>
+                                </p:cTn>
+                              </p:par>
+                            </p:childTnLst>
+                          </p:cTn>
+                        </p:par>
+                        <p:par>
+                          <p:cTn id="10" fill="hold">
+                            <p:stCondLst>
+                              <p:cond delay="3500"/>
+                            </p:stCondLst>
+                            <p:childTnLst>
+                              <p:par>
+                                <p:cTn id="11" presetID="22" presetClass="entr" presetSubtype="8" fill="hold" grpId="0" nodeType="afterEffect">
+                                  <p:stCondLst>
+                                    <p:cond delay="0"/>
+                                  </p:stCondLst>
+                                  <p:childTnLst>
+                                    <p:set>
+                                      <p:cBhvr>
+                                        <p:cTn id="12" dur="1" fill="hold">
+                                          <p:stCondLst>
+                                            <p:cond delay="0"/>
+                                          </p:stCondLst>
+                                        </p:cTn>
+                                        <p:tgtEl>
+                                          <p:spTgt spid="10"/>
+                                        </p:tgtEl>
+                                        <p:attrNameLst>
+                                          <p:attrName>style.visibility</p:attrName>
+                                        </p:attrNameLst>
+                                      </p:cBhvr>
+                                      <p:to>
+                                        <p:strVal val="visible"/>
+                                      </p:to>
+                                    </p:set>
+                                    <p:animEffect transition="in" filter="wipe(left)">
+                                      <p:cBhvr>
+                                        <p:cTn id="13" dur="1000"/>
+                                        <p:tgtEl>
+                                          <p:spTgt spid="10"/>
+                                        </p:tgtEl>
+                                      </p:cBhvr>
+                                    </p:animEffect>
+                                  </p:childTnLst>
+                                </p:cTn>
+                              </p:par>
+                            </p:childTnLst>
+                          </p:cTn>
+                        </p:par>
+                      </p:childTnLst>
+                    </p:cTn>
+                  </p:par>
+                </p:childTnLst>
+              </p:cTn>
+              <p:prevCondLst>
+                <p:cond evt="onPrev" delay="0">
+                  <p:tgtEl>
+                    <p:sldTgt/>
+                  </p:tgtEl>
+                </p:cond>
+              </p:prevCondLst>
+              <p:nextCondLst>
+                <p:cond evt="onNext" delay="0">
+                  <p:tgtEl>
+                    <p:sldTgt/>
+                  </p:tgtEl>
+                </p:cond>
+              </p:nextCondLst>
+            </p:seq>
+          </p:childTnLst>
+        </p:cTn>
       </p:par>
     </p:tnLst>
+    <p:bldLst>
+      <p:bldP spid="10" grpId="0" animBg="1"/>
+    </p:bldLst>
   </p:timing>
 </p:sld>
 </file>
@@ -12823,9 +13018,13 @@
                   <a:reflection blurRad="6350" stA="55000" endA="300" endPos="45500" dir="5400000" sy="-100000" algn="bl" rotWithShape="0"/>
                 </a:effectLst>
               </a:rPr>
-              <a:t>Next Semester</a:t>
-            </a:r>
-            <a:endParaRPr lang="en-AU" dirty="0"/>
+              <a:t>Risk Management</a:t>
+            </a:r>
+            <a:endParaRPr lang="en-AU" dirty="0">
+              <a:effectLst>
+                <a:reflection blurRad="6350" stA="55000" endA="300" endPos="45500" dir="5400000" sy="-100000" algn="bl" rotWithShape="0"/>
+              </a:effectLst>
+            </a:endParaRPr>
           </a:p>
         </p:txBody>
       </p:sp>
@@ -12872,28 +13071,58 @@
           <a:p>
             <a:r>
               <a:rPr lang="en-AU" dirty="0" smtClean="0"/>
-              <a:t>Integration of all sub-system components during Week 1 and 2.</a:t>
+              <a:t>Risk Hazard Log</a:t>
             </a:r>
           </a:p>
           <a:p>
             <a:r>
               <a:rPr lang="en-AU" dirty="0" smtClean="0"/>
-              <a:t>Most of Semester Two will be devoted towards testing.</a:t>
+              <a:t>Risks Rated within standard “Risk Evaluation Table” </a:t>
             </a:r>
           </a:p>
           <a:p>
             <a:r>
               <a:rPr lang="en-AU" dirty="0" smtClean="0"/>
-              <a:t>Utilising on-board camera to track ground target.</a:t>
-            </a:r>
-          </a:p>
-          <a:p>
+              <a:t>Risks Classified within five categories:</a:t>
+            </a:r>
+          </a:p>
+          <a:p>
+            <a:pPr lvl="1"/>
             <a:r>
               <a:rPr lang="en-AU" dirty="0" smtClean="0"/>
-              <a:t>Purchase of secondary platform.</a:t>
-            </a:r>
-          </a:p>
-          <a:p>
+              <a:t>Personal Injury</a:t>
+            </a:r>
+          </a:p>
+          <a:p>
+            <a:pPr lvl="1"/>
+            <a:r>
+              <a:rPr lang="en-AU" dirty="0" smtClean="0"/>
+              <a:t>Property Damage</a:t>
+            </a:r>
+          </a:p>
+          <a:p>
+            <a:pPr lvl="1"/>
+            <a:r>
+              <a:rPr lang="en-AU" dirty="0" smtClean="0"/>
+              <a:t>Schedule</a:t>
+            </a:r>
+          </a:p>
+          <a:p>
+            <a:pPr lvl="1"/>
+            <a:r>
+              <a:rPr lang="en-AU" dirty="0" smtClean="0"/>
+              <a:t>Technical</a:t>
+            </a:r>
+          </a:p>
+          <a:p>
+            <a:pPr lvl="1"/>
+            <a:r>
+              <a:rPr lang="en-AU" dirty="0" smtClean="0"/>
+              <a:t>Budgetary</a:t>
+            </a:r>
+          </a:p>
+          <a:p>
+            <a:pPr lvl="1"/>
             <a:endParaRPr lang="en-AU" dirty="0"/>
           </a:p>
         </p:txBody>
@@ -12937,32 +13166,60 @@
             <a:spLocks noGrp="1"/>
           </p:cNvSpPr>
           <p:nvPr>
-            <p:ph type="ctrTitle"/>
+            <p:ph type="title"/>
           </p:nvPr>
         </p:nvSpPr>
         <p:spPr/>
         <p:txBody>
-          <a:bodyPr>
-            <a:normAutofit/>
-          </a:bodyPr>
+          <a:bodyPr/>
           <a:lstStyle/>
           <a:p>
             <a:r>
-              <a:rPr lang="en-AU" dirty="0" smtClean="0"/>
-              <a:t>Testing Procedures</a:t>
-            </a:r>
-            <a:endParaRPr lang="en-US" dirty="0"/>
-          </a:p>
-        </p:txBody>
-      </p:sp>
-      <p:sp>
-        <p:nvSpPr>
-          <p:cNvPr id="3" name="Subtitle 2"/>
+              <a:rPr lang="en-AU" dirty="0" smtClean="0">
+                <a:effectLst>
+                  <a:reflection blurRad="6350" stA="55000" endA="300" endPos="45500" dir="5400000" sy="-100000" algn="bl" rotWithShape="0"/>
+                </a:effectLst>
+              </a:rPr>
+              <a:t>Next Semester</a:t>
+            </a:r>
+            <a:endParaRPr lang="en-AU" dirty="0"/>
+          </a:p>
+        </p:txBody>
+      </p:sp>
+      <p:sp>
+        <p:nvSpPr>
+          <p:cNvPr id="3" name="Slide Number Placeholder 2"/>
           <p:cNvSpPr>
             <a:spLocks noGrp="1"/>
           </p:cNvSpPr>
           <p:nvPr>
-            <p:ph type="subTitle" idx="1"/>
+            <p:ph type="sldNum" sz="quarter" idx="12"/>
+          </p:nvPr>
+        </p:nvSpPr>
+        <p:spPr/>
+        <p:txBody>
+          <a:bodyPr>
+            <a:normAutofit fontScale="85000" lnSpcReduction="20000"/>
+          </a:bodyPr>
+          <a:lstStyle/>
+          <a:p>
+            <a:fld id="{5AEDDE57-BFB4-403C-8AD6-39A9EF93D28E}" type="slidenum">
+              <a:rPr lang="en-AU" smtClean="0"/>
+              <a:pPr/>
+              <a:t>16</a:t>
+            </a:fld>
+            <a:endParaRPr lang="en-AU"/>
+          </a:p>
+        </p:txBody>
+      </p:sp>
+      <p:sp>
+        <p:nvSpPr>
+          <p:cNvPr id="4" name="Content Placeholder 3"/>
+          <p:cNvSpPr>
+            <a:spLocks noGrp="1"/>
+          </p:cNvSpPr>
+          <p:nvPr>
+            <p:ph sz="quarter" idx="1"/>
           </p:nvPr>
         </p:nvSpPr>
         <p:spPr/>
@@ -12972,9 +13229,29 @@
           <a:p>
             <a:r>
               <a:rPr lang="en-AU" dirty="0" smtClean="0"/>
-              <a:t>Michael Hamilton</a:t>
-            </a:r>
-            <a:endParaRPr lang="en-US" dirty="0"/>
+              <a:t>Integration of all sub-system components during Week 1 and 2.</a:t>
+            </a:r>
+          </a:p>
+          <a:p>
+            <a:r>
+              <a:rPr lang="en-AU" dirty="0" smtClean="0"/>
+              <a:t>Most of Semester Two will be devoted towards testing.</a:t>
+            </a:r>
+          </a:p>
+          <a:p>
+            <a:r>
+              <a:rPr lang="en-AU" dirty="0" smtClean="0"/>
+              <a:t>Utilising on-board camera to track ground target.</a:t>
+            </a:r>
+          </a:p>
+          <a:p>
+            <a:r>
+              <a:rPr lang="en-AU" dirty="0" smtClean="0"/>
+              <a:t>Purchase of secondary platform.</a:t>
+            </a:r>
+          </a:p>
+          <a:p>
+            <a:endParaRPr lang="en-AU" dirty="0"/>
           </a:p>
         </p:txBody>
       </p:sp>
@@ -13017,6 +13294,86 @@
             <a:spLocks noGrp="1"/>
           </p:cNvSpPr>
           <p:nvPr>
+            <p:ph type="ctrTitle"/>
+          </p:nvPr>
+        </p:nvSpPr>
+        <p:spPr/>
+        <p:txBody>
+          <a:bodyPr>
+            <a:normAutofit/>
+          </a:bodyPr>
+          <a:lstStyle/>
+          <a:p>
+            <a:r>
+              <a:rPr lang="en-AU" dirty="0" smtClean="0"/>
+              <a:t>Testing Procedures</a:t>
+            </a:r>
+            <a:endParaRPr lang="en-US" dirty="0"/>
+          </a:p>
+        </p:txBody>
+      </p:sp>
+      <p:sp>
+        <p:nvSpPr>
+          <p:cNvPr id="3" name="Subtitle 2"/>
+          <p:cNvSpPr>
+            <a:spLocks noGrp="1"/>
+          </p:cNvSpPr>
+          <p:nvPr>
+            <p:ph type="subTitle" idx="1"/>
+          </p:nvPr>
+        </p:nvSpPr>
+        <p:spPr/>
+        <p:txBody>
+          <a:bodyPr/>
+          <a:lstStyle/>
+          <a:p>
+            <a:r>
+              <a:rPr lang="en-AU" dirty="0" smtClean="0"/>
+              <a:t>Michael Hamilton</a:t>
+            </a:r>
+            <a:endParaRPr lang="en-US" dirty="0"/>
+          </a:p>
+        </p:txBody>
+      </p:sp>
+    </p:spTree>
+  </p:cSld>
+  <p:clrMapOvr>
+    <a:masterClrMapping/>
+  </p:clrMapOvr>
+  <p:timing>
+    <p:tnLst>
+      <p:par>
+        <p:cTn id="1" dur="indefinite" restart="never" nodeType="tmRoot"/>
+      </p:par>
+    </p:tnLst>
+  </p:timing>
+</p:sld>
+</file>
+
+<file path=ppt/slides/slide18.xml><?xml version="1.0" encoding="utf-8"?>
+<p:sld xmlns:a="http://schemas.openxmlformats.org/drawingml/2006/main" xmlns:r="http://schemas.openxmlformats.org/officeDocument/2006/relationships" xmlns:p="http://schemas.openxmlformats.org/presentationml/2006/main">
+  <p:cSld>
+    <p:spTree>
+      <p:nvGrpSpPr>
+        <p:cNvPr id="1" name=""/>
+        <p:cNvGrpSpPr/>
+        <p:nvPr/>
+      </p:nvGrpSpPr>
+      <p:grpSpPr>
+        <a:xfrm>
+          <a:off x="0" y="0"/>
+          <a:ext cx="0" cy="0"/>
+          <a:chOff x="0" y="0"/>
+          <a:chExt cx="0" cy="0"/>
+        </a:xfrm>
+      </p:grpSpPr>
+      <p:sp>
+        <p:nvSpPr>
+          <p:cNvPr id="2" name="Title 1"/>
+          <p:cNvSpPr>
+            <a:spLocks noGrp="1"/>
+          </p:cNvSpPr>
+          <p:nvPr>
             <p:ph type="title"/>
           </p:nvPr>
         </p:nvSpPr>
@@ -13057,7 +13414,7 @@
             <a:fld id="{5AEDDE57-BFB4-403C-8AD6-39A9EF93D28E}" type="slidenum">
               <a:rPr lang="en-AU" smtClean="0"/>
               <a:pPr/>
-              <a:t>17</a:t>
+              <a:t>18</a:t>
             </a:fld>
             <a:endParaRPr lang="en-AU"/>
           </a:p>
@@ -14853,93 +15210,33 @@
           </a:p>
         </p:txBody>
       </p:sp>
-      <p:sp>
-        <p:nvSpPr>
-          <p:cNvPr id="8" name="Content Placeholder 7"/>
-          <p:cNvSpPr>
-            <a:spLocks noGrp="1"/>
-          </p:cNvSpPr>
+      <p:pic>
+        <p:nvPicPr>
+          <p:cNvPr id="7" name="Animation.wmv">
+            <a:hlinkClick r:id="" action="ppaction://media"/>
+          </p:cNvPr>
+          <p:cNvPicPr>
+            <a:picLocks noGrp="1" noRot="1" noChangeAspect="1"/>
+          </p:cNvPicPr>
           <p:nvPr>
             <p:ph sz="quarter" idx="1"/>
+            <a:videoFile r:link="rId1"/>
           </p:nvPr>
-        </p:nvSpPr>
-        <p:spPr/>
-        <p:txBody>
-          <a:bodyPr/>
-          <a:lstStyle/>
-          <a:p>
-            <a:endParaRPr lang="en-AU"/>
-          </a:p>
-        </p:txBody>
-      </p:sp>
-      <p:pic>
-        <p:nvPicPr>
-          <p:cNvPr id="2050" name="Picture 2" descr="C:\Users\Michael\AppData\Local\Temp\VMwareDnD\c6ee3813\Screen shot 2010-06-21 at 2.24.56 PM.png"/>
-          <p:cNvPicPr>
-            <a:picLocks noChangeAspect="1" noChangeArrowheads="1"/>
-          </p:cNvPicPr>
-          <p:nvPr/>
         </p:nvPicPr>
         <p:blipFill>
-          <a:blip r:embed="rId2" cstate="print"/>
-          <a:srcRect/>
+          <a:blip r:embed="rId3" cstate="print"/>
           <a:stretch>
             <a:fillRect/>
           </a:stretch>
         </p:blipFill>
-        <p:spPr bwMode="auto">
+        <p:spPr>
           <a:xfrm>
-            <a:off x="611560" y="2060848"/>
-            <a:ext cx="2457516" cy="1836483"/>
+            <a:off x="323528" y="1700808"/>
+            <a:ext cx="8608956" cy="4842538"/>
           </a:xfrm>
           <a:prstGeom prst="rect">
             <a:avLst/>
           </a:prstGeom>
-          <a:ln>
-            <a:noFill/>
-          </a:ln>
-          <a:effectLst>
-            <a:outerShdw blurRad="292100" dist="139700" dir="2700000" algn="tl" rotWithShape="0">
-              <a:srgbClr val="333333">
-                <a:alpha val="65000"/>
-              </a:srgbClr>
-            </a:outerShdw>
-          </a:effectLst>
-        </p:spPr>
-      </p:pic>
-      <p:pic>
-        <p:nvPicPr>
-          <p:cNvPr id="2051" name="Picture 3" descr="C:\Users\Michael\AppData\Local\Temp\VMwareDnD\c6ee3813\Screen shot 2010-06-21 at 2.19.56 PM.png"/>
-          <p:cNvPicPr>
-            <a:picLocks noChangeAspect="1" noChangeArrowheads="1"/>
-          </p:cNvPicPr>
-          <p:nvPr/>
-        </p:nvPicPr>
-        <p:blipFill>
-          <a:blip r:embed="rId3" cstate="print"/>
-          <a:srcRect/>
-          <a:stretch>
-            <a:fillRect/>
-          </a:stretch>
-        </p:blipFill>
-        <p:spPr bwMode="auto">
-          <a:xfrm>
-            <a:off x="611560" y="4365104"/>
-            <a:ext cx="2470064" cy="1932077"/>
-          </a:xfrm>
-          <a:prstGeom prst="rect">
-            <a:avLst/>
-          </a:prstGeom>
-          <a:ln>
-            <a:noFill/>
-          </a:ln>
-          <a:effectLst>
-            <a:outerShdw blurRad="292100" dist="139700" dir="2700000" algn="tl" rotWithShape="0">
-              <a:srgbClr val="333333">
-                <a:alpha val="65000"/>
-              </a:srgbClr>
-            </a:outerShdw>
-          </a:effectLst>
         </p:spPr>
       </p:pic>
     </p:spTree>
@@ -14950,7 +15247,150 @@
   <p:timing>
     <p:tnLst>
       <p:par>
-        <p:cTn id="1" dur="indefinite" restart="never" nodeType="tmRoot"/>
+        <p:cTn id="1" dur="indefinite" restart="never" nodeType="tmRoot">
+          <p:childTnLst>
+            <p:seq concurrent="1" nextAc="seek">
+              <p:cTn id="2" dur="indefinite" nodeType="mainSeq">
+                <p:childTnLst>
+                  <p:par>
+                    <p:cTn id="3" fill="hold">
+                      <p:stCondLst>
+                        <p:cond delay="indefinite"/>
+                        <p:cond evt="onBegin" delay="0">
+                          <p:tn val="2"/>
+                        </p:cond>
+                      </p:stCondLst>
+                      <p:childTnLst>
+                        <p:par>
+                          <p:cTn id="4" fill="hold">
+                            <p:stCondLst>
+                              <p:cond delay="0"/>
+                            </p:stCondLst>
+                            <p:childTnLst>
+                              <p:par>
+                                <p:cTn id="5" presetID="1" presetClass="mediacall" presetSubtype="0" fill="hold" nodeType="afterEffect">
+                                  <p:stCondLst>
+                                    <p:cond delay="0"/>
+                                  </p:stCondLst>
+                                  <p:childTnLst>
+                                    <p:cmd type="call" cmd="playFrom(0.0)">
+                                      <p:cBhvr>
+                                        <p:cTn id="6" dur="93360" fill="hold"/>
+                                        <p:tgtEl>
+                                          <p:spTgt spid="7"/>
+                                        </p:tgtEl>
+                                      </p:cBhvr>
+                                    </p:cmd>
+                                  </p:childTnLst>
+                                </p:cTn>
+                              </p:par>
+                            </p:childTnLst>
+                          </p:cTn>
+                        </p:par>
+                      </p:childTnLst>
+                    </p:cTn>
+                  </p:par>
+                </p:childTnLst>
+              </p:cTn>
+              <p:prevCondLst>
+                <p:cond evt="onPrev" delay="0">
+                  <p:tgtEl>
+                    <p:sldTgt/>
+                  </p:tgtEl>
+                </p:cond>
+              </p:prevCondLst>
+              <p:nextCondLst>
+                <p:cond evt="onNext" delay="0">
+                  <p:tgtEl>
+                    <p:sldTgt/>
+                  </p:tgtEl>
+                </p:cond>
+              </p:nextCondLst>
+            </p:seq>
+            <p:video>
+              <p:cMediaNode>
+                <p:cTn id="7" fill="hold" display="0">
+                  <p:stCondLst>
+                    <p:cond delay="indefinite"/>
+                  </p:stCondLst>
+                  <p:endCondLst>
+                    <p:cond evt="onNext" delay="0">
+                      <p:tgtEl>
+                        <p:sldTgt/>
+                      </p:tgtEl>
+                    </p:cond>
+                    <p:cond evt="onPrev" delay="0">
+                      <p:tgtEl>
+                        <p:sldTgt/>
+                      </p:tgtEl>
+                    </p:cond>
+                  </p:endCondLst>
+                </p:cTn>
+                <p:tgtEl>
+                  <p:spTgt spid="7"/>
+                </p:tgtEl>
+              </p:cMediaNode>
+            </p:video>
+            <p:seq concurrent="1" nextAc="seek">
+              <p:cTn id="8" restart="whenNotActive" fill="hold" evtFilter="cancelBubble" nodeType="interactiveSeq">
+                <p:stCondLst>
+                  <p:cond evt="onClick" delay="0">
+                    <p:tgtEl>
+                      <p:spTgt spid="7"/>
+                    </p:tgtEl>
+                  </p:cond>
+                </p:stCondLst>
+                <p:endSync evt="end" delay="0">
+                  <p:rtn val="all"/>
+                </p:endSync>
+                <p:childTnLst>
+                  <p:par>
+                    <p:cTn id="9" fill="hold">
+                      <p:stCondLst>
+                        <p:cond delay="0"/>
+                      </p:stCondLst>
+                      <p:childTnLst>
+                        <p:par>
+                          <p:cTn id="10" fill="hold">
+                            <p:stCondLst>
+                              <p:cond delay="0"/>
+                            </p:stCondLst>
+                            <p:childTnLst>
+                              <p:par>
+                                <p:cTn id="11" presetID="2" presetClass="mediacall" presetSubtype="0" fill="hold" nodeType="clickEffect">
+                                  <p:stCondLst>
+                                    <p:cond delay="0"/>
+                                  </p:stCondLst>
+                                  <p:childTnLst>
+                                    <p:cmd type="call" cmd="togglePause">
+                                      <p:cBhvr>
+                                        <p:cTn id="12" dur="1" fill="hold"/>
+                                        <p:tgtEl>
+                                          <p:spTgt spid="7"/>
+                                        </p:tgtEl>
+                                      </p:cBhvr>
+                                    </p:cmd>
+                                  </p:childTnLst>
+                                </p:cTn>
+                              </p:par>
+                            </p:childTnLst>
+                          </p:cTn>
+                        </p:par>
+                      </p:childTnLst>
+                    </p:cTn>
+                  </p:par>
+                </p:childTnLst>
+              </p:cTn>
+              <p:nextCondLst>
+                <p:cond evt="onClick" delay="0">
+                  <p:tgtEl>
+                    <p:spTgt spid="7"/>
+                  </p:tgtEl>
+                </p:cond>
+              </p:nextCondLst>
+            </p:seq>
+          </p:childTnLst>
+        </p:cTn>
       </p:par>
     </p:tnLst>
   </p:timing>
